--- a/Patricia/Patricia Tree-武德浩，李博.pptx
+++ b/Patricia/Patricia Tree-武德浩，李博.pptx
@@ -5,7 +5,7 @@
     <p:sldMasterId id="2147483852" r:id="rId1"/>
   </p:sldMasterIdLst>
   <p:notesMasterIdLst>
-    <p:notesMasterId r:id="rId36"/>
+    <p:notesMasterId r:id="rId41"/>
   </p:notesMasterIdLst>
   <p:sldIdLst>
     <p:sldId id="256" r:id="rId2"/>
@@ -37,11 +37,16 @@
     <p:sldId id="307" r:id="rId28"/>
     <p:sldId id="308" r:id="rId29"/>
     <p:sldId id="309" r:id="rId30"/>
-    <p:sldId id="310" r:id="rId31"/>
-    <p:sldId id="312" r:id="rId32"/>
-    <p:sldId id="313" r:id="rId33"/>
-    <p:sldId id="314" r:id="rId34"/>
-    <p:sldId id="277" r:id="rId35"/>
+    <p:sldId id="315" r:id="rId31"/>
+    <p:sldId id="310" r:id="rId32"/>
+    <p:sldId id="312" r:id="rId33"/>
+    <p:sldId id="316" r:id="rId34"/>
+    <p:sldId id="317" r:id="rId35"/>
+    <p:sldId id="319" r:id="rId36"/>
+    <p:sldId id="318" r:id="rId37"/>
+    <p:sldId id="313" r:id="rId38"/>
+    <p:sldId id="314" r:id="rId39"/>
+    <p:sldId id="277" r:id="rId40"/>
   </p:sldIdLst>
   <p:sldSz cx="12192000" cy="6858000"/>
   <p:notesSz cx="6858000" cy="9144000"/>
@@ -251,7 +256,7 @@
           <a:p>
             <a:fld id="{6B03FBB7-663C-7B46-AFE8-0998A915FEE1}" type="datetimeFigureOut">
               <a:rPr lang="en-US" smtClean="0"/>
-              <a:t>6/1/17</a:t>
+              <a:t>6/2/17</a:t>
             </a:fld>
             <a:endParaRPr lang="en-US"/>
           </a:p>
@@ -1105,7 +1110,7 @@
             <a:fld id="{D666BB71-F246-48FE-8120-52F9D03CA880}" type="datetimeFigureOut">
               <a:rPr lang="zh-CN" altLang="en-US" smtClean="0"/>
               <a:pPr/>
-              <a:t>2017/6/1</a:t>
+              <a:t>2017/6/2</a:t>
             </a:fld>
             <a:endParaRPr lang="zh-CN" altLang="en-US" dirty="0"/>
           </a:p>
@@ -1286,7 +1291,7 @@
             <a:fld id="{D666BB71-F246-48FE-8120-52F9D03CA880}" type="datetimeFigureOut">
               <a:rPr lang="zh-CN" altLang="en-US" smtClean="0"/>
               <a:pPr/>
-              <a:t>2017/6/1</a:t>
+              <a:t>2017/6/2</a:t>
             </a:fld>
             <a:endParaRPr lang="zh-CN" altLang="en-US" dirty="0"/>
           </a:p>
@@ -1468,7 +1473,7 @@
             <a:fld id="{D666BB71-F246-48FE-8120-52F9D03CA880}" type="datetimeFigureOut">
               <a:rPr lang="zh-CN" altLang="en-US" smtClean="0"/>
               <a:pPr/>
-              <a:t>2017/6/1</a:t>
+              <a:t>2017/6/2</a:t>
             </a:fld>
             <a:endParaRPr lang="zh-CN" altLang="en-US" dirty="0"/>
           </a:p>
@@ -1640,7 +1645,7 @@
             <a:fld id="{D666BB71-F246-48FE-8120-52F9D03CA880}" type="datetimeFigureOut">
               <a:rPr lang="zh-CN" altLang="en-US" smtClean="0"/>
               <a:pPr/>
-              <a:t>2017/6/1</a:t>
+              <a:t>2017/6/2</a:t>
             </a:fld>
             <a:endParaRPr lang="zh-CN" altLang="en-US" dirty="0"/>
           </a:p>
@@ -1963,7 +1968,7 @@
             <a:fld id="{D666BB71-F246-48FE-8120-52F9D03CA880}" type="datetimeFigureOut">
               <a:rPr lang="zh-CN" altLang="en-US" smtClean="0"/>
               <a:pPr/>
-              <a:t>2017/6/1</a:t>
+              <a:t>2017/6/2</a:t>
             </a:fld>
             <a:endParaRPr lang="zh-CN" altLang="en-US" dirty="0"/>
           </a:p>
@@ -2425,7 +2430,7 @@
             <a:fld id="{D666BB71-F246-48FE-8120-52F9D03CA880}" type="datetimeFigureOut">
               <a:rPr lang="zh-CN" altLang="en-US" smtClean="0"/>
               <a:pPr/>
-              <a:t>2017/6/1</a:t>
+              <a:t>2017/6/2</a:t>
             </a:fld>
             <a:endParaRPr lang="zh-CN" altLang="en-US" dirty="0"/>
           </a:p>
@@ -2838,7 +2843,7 @@
             <a:fld id="{D666BB71-F246-48FE-8120-52F9D03CA880}" type="datetimeFigureOut">
               <a:rPr lang="zh-CN" altLang="en-US" smtClean="0"/>
               <a:pPr/>
-              <a:t>2017/6/1</a:t>
+              <a:t>2017/6/2</a:t>
             </a:fld>
             <a:endParaRPr lang="zh-CN" altLang="en-US" dirty="0"/>
           </a:p>
@@ -2958,7 +2963,7 @@
             <a:fld id="{D666BB71-F246-48FE-8120-52F9D03CA880}" type="datetimeFigureOut">
               <a:rPr lang="zh-CN" altLang="en-US" smtClean="0"/>
               <a:pPr/>
-              <a:t>2017/6/1</a:t>
+              <a:t>2017/6/2</a:t>
             </a:fld>
             <a:endParaRPr lang="zh-CN" altLang="en-US" dirty="0"/>
           </a:p>
@@ -3078,7 +3083,7 @@
             <a:fld id="{D666BB71-F246-48FE-8120-52F9D03CA880}" type="datetimeFigureOut">
               <a:rPr lang="zh-CN" altLang="en-US" smtClean="0"/>
               <a:pPr/>
-              <a:t>2017/6/1</a:t>
+              <a:t>2017/6/2</a:t>
             </a:fld>
             <a:endParaRPr lang="zh-CN" altLang="en-US" dirty="0"/>
           </a:p>
@@ -3438,7 +3443,7 @@
             <a:fld id="{D666BB71-F246-48FE-8120-52F9D03CA880}" type="datetimeFigureOut">
               <a:rPr lang="zh-CN" altLang="en-US" smtClean="0"/>
               <a:pPr/>
-              <a:t>2017/6/1</a:t>
+              <a:t>2017/6/2</a:t>
             </a:fld>
             <a:endParaRPr lang="zh-CN" altLang="en-US" dirty="0"/>
           </a:p>
@@ -3947,7 +3952,7 @@
             <a:fld id="{D666BB71-F246-48FE-8120-52F9D03CA880}" type="datetimeFigureOut">
               <a:rPr lang="zh-CN" altLang="en-US" smtClean="0"/>
               <a:pPr/>
-              <a:t>2017/6/1</a:t>
+              <a:t>2017/6/2</a:t>
             </a:fld>
             <a:endParaRPr lang="zh-CN" altLang="en-US" dirty="0"/>
           </a:p>
@@ -4304,7 +4309,7 @@
             <a:fld id="{D666BB71-F246-48FE-8120-52F9D03CA880}" type="datetimeFigureOut">
               <a:rPr lang="zh-CN" altLang="en-US" smtClean="0"/>
               <a:pPr/>
-              <a:t>2017/6/1</a:t>
+              <a:t>2017/6/2</a:t>
             </a:fld>
             <a:endParaRPr lang="zh-CN" altLang="en-US" dirty="0"/>
           </a:p>
@@ -10511,7 +10516,7 @@
           <p:nvPr/>
         </p:nvPicPr>
         <p:blipFill>
-          <a:blip r:embed="rId2">
+          <a:blip r:embed="rId2" cstate="print">
             <a:extLst>
               <a:ext uri="{28A0092B-C50C-407E-A947-70E740481C1C}">
                 <a14:useLocalDpi xmlns:a14="http://schemas.microsoft.com/office/drawing/2010/main" val="0"/>
@@ -10856,7 +10861,7 @@
           <p:nvPr/>
         </p:nvPicPr>
         <p:blipFill>
-          <a:blip r:embed="rId2">
+          <a:blip r:embed="rId2" cstate="print">
             <a:extLst>
               <a:ext uri="{28A0092B-C50C-407E-A947-70E740481C1C}">
                 <a14:useLocalDpi xmlns:a14="http://schemas.microsoft.com/office/drawing/2010/main" val="0"/>
@@ -11185,7 +11190,7 @@
           <p:nvPr/>
         </p:nvPicPr>
         <p:blipFill>
-          <a:blip r:embed="rId2">
+          <a:blip r:embed="rId2" cstate="print">
             <a:extLst>
               <a:ext uri="{28A0092B-C50C-407E-A947-70E740481C1C}">
                 <a14:useLocalDpi xmlns:a14="http://schemas.microsoft.com/office/drawing/2010/main" val="0"/>
@@ -11355,7 +11360,7 @@
         <p:spPr>
           <a:xfrm>
             <a:off x="1105042" y="2438472"/>
-            <a:ext cx="10501218" cy="3170099"/>
+            <a:ext cx="10501218" cy="1938992"/>
           </a:xfrm>
           <a:prstGeom prst="rect">
             <a:avLst/>
@@ -11425,110 +11430,6 @@
               </a:lnSpc>
             </a:pPr>
             <a:endParaRPr lang="en-US" altLang="zh-CN" sz="2000" dirty="0">
-              <a:latin typeface="Microsoft YaHei" charset="-122"/>
-              <a:ea typeface="Microsoft YaHei" charset="-122"/>
-              <a:cs typeface="Microsoft YaHei" charset="-122"/>
-            </a:endParaRPr>
-          </a:p>
-          <a:p>
-            <a:pPr>
-              <a:lnSpc>
-                <a:spcPct val="200000"/>
-              </a:lnSpc>
-            </a:pPr>
-            <a:r>
-              <a:rPr lang="zh-CN" altLang="en-US" sz="2000" dirty="0" smtClean="0">
-                <a:latin typeface="Microsoft YaHei" charset="-122"/>
-                <a:ea typeface="Microsoft YaHei" charset="-122"/>
-                <a:cs typeface="Microsoft YaHei" charset="-122"/>
-              </a:rPr>
-              <a:t>而且</a:t>
-            </a:r>
-            <a:r>
-              <a:rPr lang="zh-CN" altLang="en-US" sz="2000" dirty="0">
-                <a:latin typeface="Microsoft YaHei" charset="-122"/>
-                <a:ea typeface="Microsoft YaHei" charset="-122"/>
-                <a:cs typeface="Microsoft YaHei" charset="-122"/>
-              </a:rPr>
-              <a:t>还</a:t>
-            </a:r>
-            <a:r>
-              <a:rPr lang="zh-CN" altLang="en-US" sz="2000" dirty="0" smtClean="0">
-                <a:latin typeface="Microsoft YaHei" charset="-122"/>
-                <a:ea typeface="Microsoft YaHei" charset="-122"/>
-                <a:cs typeface="Microsoft YaHei" charset="-122"/>
-              </a:rPr>
-              <a:t>支持高效的动态</a:t>
-            </a:r>
-            <a:r>
-              <a:rPr lang="zh-CN" altLang="en-US" sz="2000" dirty="0">
-                <a:latin typeface="Microsoft YaHei" charset="-122"/>
-                <a:ea typeface="Microsoft YaHei" charset="-122"/>
-                <a:cs typeface="Microsoft YaHei" charset="-122"/>
-              </a:rPr>
-              <a:t>的增删改查</a:t>
-            </a:r>
-            <a:r>
-              <a:rPr lang="zh-CN" altLang="en-US" sz="2000" dirty="0" smtClean="0">
-                <a:latin typeface="Microsoft YaHei" charset="-122"/>
-                <a:ea typeface="Microsoft YaHei" charset="-122"/>
-                <a:cs typeface="Microsoft YaHei" charset="-122"/>
-              </a:rPr>
-              <a:t>。</a:t>
-            </a:r>
-            <a:endParaRPr lang="en-US" altLang="zh-CN" sz="2000" dirty="0" smtClean="0">
-              <a:latin typeface="Microsoft YaHei" charset="-122"/>
-              <a:ea typeface="Microsoft YaHei" charset="-122"/>
-              <a:cs typeface="Microsoft YaHei" charset="-122"/>
-            </a:endParaRPr>
-          </a:p>
-          <a:p>
-            <a:pPr>
-              <a:lnSpc>
-                <a:spcPct val="200000"/>
-              </a:lnSpc>
-            </a:pPr>
-            <a:r>
-              <a:rPr lang="zh-CN" altLang="en-US" sz="2000" dirty="0" smtClean="0">
-                <a:latin typeface="Microsoft YaHei" charset="-122"/>
-                <a:ea typeface="Microsoft YaHei" charset="-122"/>
-                <a:cs typeface="Microsoft YaHei" charset="-122"/>
-              </a:rPr>
-              <a:t>比</a:t>
-            </a:r>
-            <a:r>
-              <a:rPr lang="en-US" altLang="zh-CN" sz="2000" dirty="0" smtClean="0">
-                <a:latin typeface="Microsoft YaHei" charset="-122"/>
-                <a:ea typeface="Microsoft YaHei" charset="-122"/>
-                <a:cs typeface="Microsoft YaHei" charset="-122"/>
-              </a:rPr>
-              <a:t>KMP</a:t>
-            </a:r>
-            <a:r>
-              <a:rPr lang="zh-CN" altLang="en-US" sz="2000" dirty="0" smtClean="0">
-                <a:latin typeface="Microsoft YaHei" charset="-122"/>
-                <a:ea typeface="Microsoft YaHei" charset="-122"/>
-                <a:cs typeface="Microsoft YaHei" charset="-122"/>
-              </a:rPr>
-              <a:t>不知道高到了哪里去，</a:t>
-            </a:r>
-            <a:r>
-              <a:rPr lang="en-US" altLang="zh-CN" sz="2000" dirty="0" smtClean="0">
-                <a:latin typeface="Microsoft YaHei" charset="-122"/>
-                <a:ea typeface="Microsoft YaHei" charset="-122"/>
-                <a:cs typeface="Microsoft YaHei" charset="-122"/>
-              </a:rPr>
-              <a:t>^_^</a:t>
-            </a:r>
-            <a:r>
-              <a:rPr lang="zh-CN" altLang="en-US" sz="2000" dirty="0">
-                <a:latin typeface="Microsoft YaHei" charset="-122"/>
-                <a:ea typeface="Microsoft YaHei" charset="-122"/>
-                <a:cs typeface="Microsoft YaHei" charset="-122"/>
-              </a:rPr>
-              <a:t>！</a:t>
-            </a:r>
-            <a:endParaRPr lang="en-US" sz="2000" dirty="0">
               <a:latin typeface="Microsoft YaHei" charset="-122"/>
               <a:ea typeface="Microsoft YaHei" charset="-122"/>
               <a:cs typeface="Microsoft YaHei" charset="-122"/>
@@ -12357,7 +12258,7 @@
         <p:spPr>
           <a:xfrm>
             <a:off x="1105042" y="4519456"/>
-            <a:ext cx="9905080" cy="1846146"/>
+            <a:ext cx="9905080" cy="1938992"/>
           </a:xfrm>
           <a:prstGeom prst="rect">
             <a:avLst/>
@@ -12383,12 +12284,12 @@
               <a:t>这实际上就是一个不那么纯粹的前缀匹配的问题，只是最终结点的匹配是模糊的，我们可以在 </a:t>
             </a:r>
             <a:r>
-              <a:rPr lang="en-US" altLang="zh-CN" sz="2000" dirty="0">
-                <a:latin typeface="Microsoft YaHei" charset="-122"/>
-                <a:ea typeface="Microsoft YaHei" charset="-122"/>
-                <a:cs typeface="Microsoft YaHei" charset="-122"/>
-              </a:rPr>
-              <a:t>$O(w)$ </a:t>
+              <a:rPr lang="en-US" altLang="zh-CN" sz="2000" dirty="0" smtClean="0">
+                <a:latin typeface="Microsoft YaHei" charset="-122"/>
+                <a:ea typeface="Microsoft YaHei" charset="-122"/>
+                <a:cs typeface="Microsoft YaHei" charset="-122"/>
+              </a:rPr>
+              <a:t>O(w) </a:t>
             </a:r>
             <a:r>
               <a:rPr lang="zh-CN" altLang="en-US" sz="2000" dirty="0">
@@ -14004,7 +13905,21 @@
                 <a:latin typeface="微软雅黑" panose="020B0503020204020204" pitchFamily="34" charset="-122"/>
                 <a:ea typeface="微软雅黑" panose="020B0503020204020204" pitchFamily="34" charset="-122"/>
               </a:rPr>
-              <a:t>还有比它更厉害的改进吗？</a:t>
+              <a:t>所以，</a:t>
+            </a:r>
+            <a:r>
+              <a:rPr lang="en-US" altLang="zh-CN" sz="3600" dirty="0">
+                <a:latin typeface="微软雅黑" panose="020B0503020204020204" pitchFamily="34" charset="-122"/>
+                <a:ea typeface="微软雅黑" panose="020B0503020204020204" pitchFamily="34" charset="-122"/>
+              </a:rPr>
+              <a:t>Patricia</a:t>
+            </a:r>
+            <a:r>
+              <a:rPr lang="zh-CN" altLang="en-US" sz="3600" dirty="0">
+                <a:latin typeface="微软雅黑" panose="020B0503020204020204" pitchFamily="34" charset="-122"/>
+                <a:ea typeface="微软雅黑" panose="020B0503020204020204" pitchFamily="34" charset="-122"/>
+              </a:rPr>
+              <a:t>有哪些实际的应用呢？</a:t>
             </a:r>
             <a:endParaRPr lang="en-US" sz="3600" dirty="0"/>
           </a:p>
@@ -14019,7 +13934,7 @@
         <p:spPr>
           <a:xfrm>
             <a:off x="1105042" y="2255887"/>
-            <a:ext cx="9905080" cy="3785652"/>
+            <a:ext cx="9905080" cy="4308359"/>
           </a:xfrm>
           <a:prstGeom prst="rect">
             <a:avLst/>
@@ -14031,28 +13946,26 @@
           </a:bodyPr>
           <a:lstStyle/>
           <a:p>
-            <a:pPr marL="457200" indent="-457200">
+            <a:pPr>
               <a:lnSpc>
                 <a:spcPct val="200000"/>
               </a:lnSpc>
-              <a:buFont typeface="+mj-lt"/>
-              <a:buAutoNum type="arabicPeriod"/>
             </a:pPr>
             <a:r>
-              <a:rPr lang="en-US" altLang="zh-CN" sz="2000" dirty="0" smtClean="0">
-                <a:latin typeface="Microsoft YaHei" charset="-122"/>
-                <a:ea typeface="Microsoft YaHei" charset="-122"/>
-                <a:cs typeface="Microsoft YaHei" charset="-122"/>
-              </a:rPr>
-              <a:t>HAT-</a:t>
-            </a:r>
-            <a:r>
-              <a:rPr lang="en-US" altLang="zh-CN" sz="2000" dirty="0" err="1" smtClean="0">
-                <a:latin typeface="Microsoft YaHei" charset="-122"/>
-                <a:ea typeface="Microsoft YaHei" charset="-122"/>
-                <a:cs typeface="Microsoft YaHei" charset="-122"/>
-              </a:rPr>
-              <a:t>Trie</a:t>
+              <a:rPr lang="zh-CN" altLang="en-US" sz="2000" dirty="0" smtClean="0">
+                <a:latin typeface="Microsoft YaHei" charset="-122"/>
+                <a:ea typeface="Microsoft YaHei" charset="-122"/>
+                <a:cs typeface="Microsoft YaHei" charset="-122"/>
+              </a:rPr>
+              <a:t>利用</a:t>
+            </a:r>
+            <a:r>
+              <a:rPr lang="en-US" altLang="zh-CN" sz="2000" dirty="0">
+                <a:latin typeface="Microsoft YaHei" charset="-122"/>
+                <a:ea typeface="Microsoft YaHei" charset="-122"/>
+                <a:cs typeface="Microsoft YaHei" charset="-122"/>
+              </a:rPr>
+              <a:t>Partricia</a:t>
             </a:r>
             <a:r>
               <a:rPr lang="zh-CN" altLang="en-US" sz="2000" dirty="0">
@@ -14060,7 +13973,7 @@
                 <a:ea typeface="Microsoft YaHei" charset="-122"/>
                 <a:cs typeface="Microsoft YaHei" charset="-122"/>
               </a:rPr>
-              <a:t>：</a:t>
+              <a:t>存储字符串节省存储空间和查找时间的优势，对两片疑似相同的文档进行判重处理</a:t>
             </a:r>
             <a:r>
               <a:rPr lang="zh-CN" altLang="en-US" sz="2000" dirty="0" smtClean="0">
@@ -14068,55 +13981,7 @@
                 <a:ea typeface="Microsoft YaHei" charset="-122"/>
                 <a:cs typeface="Microsoft YaHei" charset="-122"/>
               </a:rPr>
-              <a:t>一</a:t>
-            </a:r>
-            <a:r>
-              <a:rPr lang="zh-CN" altLang="en-US" sz="2000" dirty="0">
-                <a:latin typeface="Microsoft YaHei" charset="-122"/>
-                <a:ea typeface="Microsoft YaHei" charset="-122"/>
-                <a:cs typeface="Microsoft YaHei" charset="-122"/>
-              </a:rPr>
-              <a:t>种利用缓存来提升存取速度的数据结构，固定有序的管理结点所在的位置（通过一开始分配指针数组），来提高 </a:t>
-            </a:r>
-            <a:r>
-              <a:rPr lang="en-US" altLang="zh-CN" sz="2000" dirty="0">
-                <a:latin typeface="Microsoft YaHei" charset="-122"/>
-                <a:ea typeface="Microsoft YaHei" charset="-122"/>
-                <a:cs typeface="Microsoft YaHei" charset="-122"/>
-              </a:rPr>
-              <a:t>CPU </a:t>
-            </a:r>
-            <a:r>
-              <a:rPr lang="zh-CN" altLang="en-US" sz="2000" dirty="0">
-                <a:latin typeface="Microsoft YaHei" charset="-122"/>
-                <a:ea typeface="Microsoft YaHei" charset="-122"/>
-                <a:cs typeface="Microsoft YaHei" charset="-122"/>
-              </a:rPr>
-              <a:t>的 </a:t>
-            </a:r>
-            <a:r>
-              <a:rPr lang="en-US" altLang="zh-CN" sz="2000" dirty="0">
-                <a:latin typeface="Microsoft YaHei" charset="-122"/>
-                <a:ea typeface="Microsoft YaHei" charset="-122"/>
-                <a:cs typeface="Microsoft YaHei" charset="-122"/>
-              </a:rPr>
-              <a:t>cache </a:t>
-            </a:r>
-            <a:r>
-              <a:rPr lang="zh-CN" altLang="en-US" sz="2000" dirty="0">
-                <a:latin typeface="Microsoft YaHei" charset="-122"/>
-                <a:ea typeface="Microsoft YaHei" charset="-122"/>
-                <a:cs typeface="Microsoft YaHei" charset="-122"/>
-              </a:rPr>
-              <a:t>命中率，非常黑</a:t>
-            </a:r>
-            <a:r>
-              <a:rPr lang="zh-CN" altLang="en-US" sz="2000" dirty="0" smtClean="0">
-                <a:latin typeface="Microsoft YaHei" charset="-122"/>
-                <a:ea typeface="Microsoft YaHei" charset="-122"/>
-                <a:cs typeface="Microsoft YaHei" charset="-122"/>
-              </a:rPr>
-              <a:t>科技。</a:t>
+              <a:t>。</a:t>
             </a:r>
             <a:endParaRPr lang="en-US" altLang="zh-CN" sz="2000" dirty="0" smtClean="0">
               <a:latin typeface="Microsoft YaHei" charset="-122"/>
@@ -14125,20 +13990,26 @@
             </a:endParaRPr>
           </a:p>
           <a:p>
-            <a:pPr marL="457200" indent="-457200">
+            <a:pPr>
               <a:lnSpc>
                 <a:spcPct val="200000"/>
               </a:lnSpc>
-              <a:buFont typeface="+mj-lt"/>
-              <a:buAutoNum type="arabicPeriod"/>
             </a:pPr>
             <a:r>
-              <a:rPr lang="en-US" altLang="zh-CN" sz="2000" dirty="0" smtClean="0">
-                <a:latin typeface="Microsoft YaHei" charset="-122"/>
-                <a:ea typeface="Microsoft YaHei" charset="-122"/>
-                <a:cs typeface="Microsoft YaHei" charset="-122"/>
-              </a:rPr>
-              <a:t>Adaptive </a:t>
+              <a:rPr lang="zh-CN" altLang="en-US" sz="2000" dirty="0" smtClean="0">
+                <a:latin typeface="Microsoft YaHei" charset="-122"/>
+                <a:ea typeface="Microsoft YaHei" charset="-122"/>
+                <a:cs typeface="Microsoft YaHei" charset="-122"/>
+              </a:rPr>
+              <a:t>针对</a:t>
+            </a:r>
+            <a:r>
+              <a:rPr lang="zh-CN" altLang="en-US" sz="2000" dirty="0">
+                <a:latin typeface="Microsoft YaHei" charset="-122"/>
+                <a:ea typeface="Microsoft YaHei" charset="-122"/>
+                <a:cs typeface="Microsoft YaHei" charset="-122"/>
+              </a:rPr>
+              <a:t>两篇文档建立两棵</a:t>
             </a:r>
             <a:r>
               <a:rPr lang="en-US" altLang="zh-CN" sz="2000" dirty="0">
@@ -14146,7 +14017,7 @@
                 <a:ea typeface="Microsoft YaHei" charset="-122"/>
                 <a:cs typeface="Microsoft YaHei" charset="-122"/>
               </a:rPr>
-              <a:t>radix tree </a:t>
+              <a:t>Partricia</a:t>
             </a:r>
             <a:r>
               <a:rPr lang="zh-CN" altLang="en-US" sz="2000" dirty="0">
@@ -14154,15 +14025,15 @@
                 <a:ea typeface="Microsoft YaHei" charset="-122"/>
                 <a:cs typeface="Microsoft YaHei" charset="-122"/>
               </a:rPr>
-              <a:t>是一种动态管理儿子结点的</a:t>
-            </a:r>
-            <a:r>
-              <a:rPr lang="en-US" altLang="zh-CN" sz="2000" dirty="0" err="1">
-                <a:latin typeface="Microsoft YaHei" charset="-122"/>
-                <a:ea typeface="Microsoft YaHei" charset="-122"/>
-                <a:cs typeface="Microsoft YaHei" charset="-122"/>
-              </a:rPr>
-              <a:t>Trie</a:t>
+              <a:t>树，</a:t>
+            </a:r>
+            <a:r>
+              <a:rPr lang="en-US" altLang="zh-CN" sz="2000" dirty="0">
+                <a:latin typeface="Microsoft YaHei" charset="-122"/>
+                <a:ea typeface="Microsoft YaHei" charset="-122"/>
+                <a:cs typeface="Microsoft YaHei" charset="-122"/>
+              </a:rPr>
+              <a:t>value</a:t>
             </a:r>
             <a:r>
               <a:rPr lang="zh-CN" altLang="en-US" sz="2000" dirty="0">
@@ -14170,15 +14041,7 @@
                 <a:ea typeface="Microsoft YaHei" charset="-122"/>
                 <a:cs typeface="Microsoft YaHei" charset="-122"/>
               </a:rPr>
-              <a:t>结构，它可以动态的根据子结点的个数分配内存，每个结点存儿子结点的指针都是动态的，这样做可以更好的节省内存，这种结构既可以用在 </a:t>
-            </a:r>
-            <a:r>
-              <a:rPr lang="en-US" altLang="zh-CN" sz="2000" dirty="0" err="1">
-                <a:latin typeface="Microsoft YaHei" charset="-122"/>
-                <a:ea typeface="Microsoft YaHei" charset="-122"/>
-                <a:cs typeface="Microsoft YaHei" charset="-122"/>
-              </a:rPr>
-              <a:t>Trie</a:t>
+              <a:t>值设置为出现次数，对出现次数大于某一数值的单词，查询它在另一棵树中的</a:t>
             </a:r>
             <a:r>
               <a:rPr lang="en-US" altLang="zh-CN" sz="2000" dirty="0">
@@ -14186,7 +14049,7 @@
                 <a:ea typeface="Microsoft YaHei" charset="-122"/>
                 <a:cs typeface="Microsoft YaHei" charset="-122"/>
               </a:rPr>
-              <a:t> </a:t>
+              <a:t>value</a:t>
             </a:r>
             <a:r>
               <a:rPr lang="zh-CN" altLang="en-US" sz="2000" dirty="0">
@@ -14194,7 +14057,35 @@
                 <a:ea typeface="Microsoft YaHei" charset="-122"/>
                 <a:cs typeface="Microsoft YaHei" charset="-122"/>
               </a:rPr>
-              <a:t>上也可以用在 </a:t>
+              <a:t>值，如果相差小于某一数值就记录为关键词，最后整理这些关键词，如果这些关键词的数目大于某一数值，就说明文档相似度很高，达到判重效果</a:t>
+            </a:r>
+            <a:r>
+              <a:rPr lang="zh-CN" altLang="en-US" sz="2000" dirty="0" smtClean="0">
+                <a:latin typeface="Microsoft YaHei" charset="-122"/>
+                <a:ea typeface="Microsoft YaHei" charset="-122"/>
+                <a:cs typeface="Microsoft YaHei" charset="-122"/>
+              </a:rPr>
+              <a:t>。</a:t>
+            </a:r>
+            <a:endParaRPr lang="en-US" altLang="zh-CN" sz="2000" dirty="0" smtClean="0">
+              <a:latin typeface="Microsoft YaHei" charset="-122"/>
+              <a:ea typeface="Microsoft YaHei" charset="-122"/>
+              <a:cs typeface="Microsoft YaHei" charset="-122"/>
+            </a:endParaRPr>
+          </a:p>
+          <a:p>
+            <a:pPr>
+              <a:lnSpc>
+                <a:spcPct val="200000"/>
+              </a:lnSpc>
+            </a:pPr>
+            <a:r>
+              <a:rPr lang="zh-CN" altLang="en-US" sz="2000" dirty="0" smtClean="0">
+                <a:latin typeface="Microsoft YaHei" charset="-122"/>
+                <a:ea typeface="Microsoft YaHei" charset="-122"/>
+                <a:cs typeface="Microsoft YaHei" charset="-122"/>
+              </a:rPr>
+              <a:t>（</a:t>
             </a:r>
             <a:r>
               <a:rPr lang="en-US" altLang="zh-CN" sz="2000" dirty="0">
@@ -14202,7 +14093,7 @@
                 <a:ea typeface="Microsoft YaHei" charset="-122"/>
                 <a:cs typeface="Microsoft YaHei" charset="-122"/>
               </a:rPr>
-              <a:t>Patricia </a:t>
+              <a:t>Ps</a:t>
             </a:r>
             <a:r>
               <a:rPr lang="zh-CN" altLang="en-US" sz="2000" dirty="0">
@@ -14210,31 +14101,7 @@
                 <a:ea typeface="Microsoft YaHei" charset="-122"/>
                 <a:cs typeface="Microsoft YaHei" charset="-122"/>
               </a:rPr>
-              <a:t>上，在本次的 </a:t>
-            </a:r>
-            <a:r>
-              <a:rPr lang="en-US" altLang="zh-CN" sz="2000" dirty="0">
-                <a:latin typeface="Microsoft YaHei" charset="-122"/>
-                <a:ea typeface="Microsoft YaHei" charset="-122"/>
-                <a:cs typeface="Microsoft YaHei" charset="-122"/>
-              </a:rPr>
-              <a:t>Patricia tree </a:t>
-            </a:r>
-            <a:r>
-              <a:rPr lang="zh-CN" altLang="en-US" sz="2000" dirty="0">
-                <a:latin typeface="Microsoft YaHei" charset="-122"/>
-                <a:ea typeface="Microsoft YaHei" charset="-122"/>
-                <a:cs typeface="Microsoft YaHei" charset="-122"/>
-              </a:rPr>
-              <a:t>中我们实现的就是一个 </a:t>
-            </a:r>
-            <a:r>
-              <a:rPr lang="en-US" altLang="zh-CN" sz="2000" dirty="0">
-                <a:latin typeface="Microsoft YaHei" charset="-122"/>
-                <a:ea typeface="Microsoft YaHei" charset="-122"/>
-                <a:cs typeface="Microsoft YaHei" charset="-122"/>
-              </a:rPr>
-              <a:t>Adaptive radix tree </a:t>
+              <a:t>：可用于代码判重，作家枪手调查，论文判重等方面</a:t>
             </a:r>
             <a:r>
               <a:rPr lang="zh-CN" altLang="en-US" sz="2000" dirty="0" smtClean="0">
@@ -14242,7 +14109,7 @@
                 <a:ea typeface="Microsoft YaHei" charset="-122"/>
                 <a:cs typeface="Microsoft YaHei" charset="-122"/>
               </a:rPr>
-              <a:t>结构。</a:t>
+              <a:t>）</a:t>
             </a:r>
             <a:endParaRPr lang="en-US" altLang="zh-CN" sz="2000" dirty="0" smtClean="0">
               <a:latin typeface="Microsoft YaHei" charset="-122"/>
@@ -14274,12 +14141,12 @@
           <a:lstStyle/>
           <a:p>
             <a:r>
-              <a:rPr lang="zh-CN" altLang="en-US" sz="2400" dirty="0" smtClean="0">
-                <a:latin typeface="Microsoft YaHei" charset="-122"/>
-                <a:ea typeface="Microsoft YaHei" charset="-122"/>
-                <a:cs typeface="Microsoft YaHei" charset="-122"/>
-              </a:rPr>
-              <a:t>当然有！</a:t>
+              <a:rPr lang="zh-CN" altLang="en-US" sz="2400" dirty="0">
+                <a:latin typeface="Microsoft YaHei" charset="-122"/>
+                <a:ea typeface="Microsoft YaHei" charset="-122"/>
+                <a:cs typeface="Microsoft YaHei" charset="-122"/>
+              </a:rPr>
+              <a:t>文档判重</a:t>
             </a:r>
             <a:endParaRPr lang="en-US" sz="2400" dirty="0">
               <a:latin typeface="Microsoft YaHei" charset="-122"/>
@@ -14292,7 +14159,7 @@
     </p:spTree>
     <p:extLst>
       <p:ext uri="{BB962C8B-B14F-4D97-AF65-F5344CB8AC3E}">
-        <p14:creationId xmlns:p14="http://schemas.microsoft.com/office/powerpoint/2010/main" val="784218505"/>
+        <p14:creationId xmlns:p14="http://schemas.microsoft.com/office/powerpoint/2010/main" val="2811251380"/>
       </p:ext>
     </p:extLst>
   </p:cSld>
@@ -14387,7 +14254,7 @@
         </p:nvSpPr>
         <p:spPr>
           <a:xfrm>
-            <a:off x="1105042" y="55983"/>
+            <a:off x="1105042" y="184878"/>
             <a:ext cx="10058400" cy="1609344"/>
           </a:xfrm>
         </p:spPr>
@@ -14397,46 +14264,14 @@
           </a:bodyPr>
           <a:lstStyle/>
           <a:p>
-            <a:pPr>
-              <a:lnSpc>
-                <a:spcPct val="150000"/>
-              </a:lnSpc>
-            </a:pPr>
             <a:r>
               <a:rPr lang="zh-CN" altLang="en-US" sz="3600" dirty="0">
                 <a:latin typeface="微软雅黑" panose="020B0503020204020204" pitchFamily="34" charset="-122"/>
                 <a:ea typeface="微软雅黑" panose="020B0503020204020204" pitchFamily="34" charset="-122"/>
               </a:rPr>
-              <a:t>应用展示：基于</a:t>
-            </a:r>
-            <a:r>
-              <a:rPr lang="en-US" altLang="zh-CN" sz="3600" dirty="0" err="1">
-                <a:latin typeface="微软雅黑" panose="020B0503020204020204" pitchFamily="34" charset="-122"/>
-                <a:ea typeface="微软雅黑" panose="020B0503020204020204" pitchFamily="34" charset="-122"/>
-              </a:rPr>
-              <a:t>Qt</a:t>
-            </a:r>
-            <a:r>
-              <a:rPr lang="zh-CN" altLang="en-US" sz="3600" dirty="0">
-                <a:latin typeface="微软雅黑" panose="020B0503020204020204" pitchFamily="34" charset="-122"/>
-                <a:ea typeface="微软雅黑" panose="020B0503020204020204" pitchFamily="34" charset="-122"/>
-              </a:rPr>
-              <a:t>实现的 </a:t>
-            </a:r>
-            <a:r>
-              <a:rPr lang="en-US" altLang="zh-CN" sz="3600" dirty="0">
-                <a:latin typeface="微软雅黑" panose="020B0503020204020204" pitchFamily="34" charset="-122"/>
-                <a:ea typeface="微软雅黑" panose="020B0503020204020204" pitchFamily="34" charset="-122"/>
-              </a:rPr>
-              <a:t>Patricia</a:t>
-            </a:r>
-            <a:r>
-              <a:rPr lang="zh-CN" altLang="en-US" sz="3600" dirty="0">
-                <a:latin typeface="微软雅黑" panose="020B0503020204020204" pitchFamily="34" charset="-122"/>
-                <a:ea typeface="微软雅黑" panose="020B0503020204020204" pitchFamily="34" charset="-122"/>
-              </a:rPr>
-              <a:t> 相关应用。</a:t>
-            </a:r>
+              <a:t>还有比它更厉害的改进吗？</a:t>
+            </a:r>
+            <a:endParaRPr lang="en-US" sz="3600" dirty="0"/>
           </a:p>
         </p:txBody>
       </p:sp>
@@ -14448,8 +14283,8 @@
         </p:nvSpPr>
         <p:spPr>
           <a:xfrm>
-            <a:off x="1258362" y="2384782"/>
-            <a:ext cx="9905080" cy="1938992"/>
+            <a:off x="1105042" y="2255887"/>
+            <a:ext cx="9905080" cy="3785652"/>
           </a:xfrm>
           <a:prstGeom prst="rect">
             <a:avLst/>
@@ -14461,11 +14296,93 @@
           </a:bodyPr>
           <a:lstStyle/>
           <a:p>
-            <a:pPr>
+            <a:pPr marL="457200" indent="-457200">
               <a:lnSpc>
                 <a:spcPct val="200000"/>
               </a:lnSpc>
+              <a:buFont typeface="+mj-lt"/>
+              <a:buAutoNum type="arabicPeriod"/>
             </a:pPr>
+            <a:r>
+              <a:rPr lang="en-US" altLang="zh-CN" sz="2000" dirty="0" smtClean="0">
+                <a:latin typeface="Microsoft YaHei" charset="-122"/>
+                <a:ea typeface="Microsoft YaHei" charset="-122"/>
+                <a:cs typeface="Microsoft YaHei" charset="-122"/>
+              </a:rPr>
+              <a:t>HAT-</a:t>
+            </a:r>
+            <a:r>
+              <a:rPr lang="en-US" altLang="zh-CN" sz="2000" dirty="0" err="1" smtClean="0">
+                <a:latin typeface="Microsoft YaHei" charset="-122"/>
+                <a:ea typeface="Microsoft YaHei" charset="-122"/>
+                <a:cs typeface="Microsoft YaHei" charset="-122"/>
+              </a:rPr>
+              <a:t>Trie</a:t>
+            </a:r>
+            <a:r>
+              <a:rPr lang="zh-CN" altLang="en-US" sz="2000" dirty="0">
+                <a:latin typeface="Microsoft YaHei" charset="-122"/>
+                <a:ea typeface="Microsoft YaHei" charset="-122"/>
+                <a:cs typeface="Microsoft YaHei" charset="-122"/>
+              </a:rPr>
+              <a:t>：</a:t>
+            </a:r>
+            <a:r>
+              <a:rPr lang="zh-CN" altLang="en-US" sz="2000" dirty="0" smtClean="0">
+                <a:latin typeface="Microsoft YaHei" charset="-122"/>
+                <a:ea typeface="Microsoft YaHei" charset="-122"/>
+                <a:cs typeface="Microsoft YaHei" charset="-122"/>
+              </a:rPr>
+              <a:t>一</a:t>
+            </a:r>
+            <a:r>
+              <a:rPr lang="zh-CN" altLang="en-US" sz="2000" dirty="0">
+                <a:latin typeface="Microsoft YaHei" charset="-122"/>
+                <a:ea typeface="Microsoft YaHei" charset="-122"/>
+                <a:cs typeface="Microsoft YaHei" charset="-122"/>
+              </a:rPr>
+              <a:t>种利用缓存来提升存取速度的数据结构，固定有序的管理结点所在的位置（通过一开始分配指针数组），来提高 </a:t>
+            </a:r>
+            <a:r>
+              <a:rPr lang="en-US" altLang="zh-CN" sz="2000" dirty="0">
+                <a:latin typeface="Microsoft YaHei" charset="-122"/>
+                <a:ea typeface="Microsoft YaHei" charset="-122"/>
+                <a:cs typeface="Microsoft YaHei" charset="-122"/>
+              </a:rPr>
+              <a:t>CPU </a:t>
+            </a:r>
+            <a:r>
+              <a:rPr lang="zh-CN" altLang="en-US" sz="2000" dirty="0">
+                <a:latin typeface="Microsoft YaHei" charset="-122"/>
+                <a:ea typeface="Microsoft YaHei" charset="-122"/>
+                <a:cs typeface="Microsoft YaHei" charset="-122"/>
+              </a:rPr>
+              <a:t>的 </a:t>
+            </a:r>
+            <a:r>
+              <a:rPr lang="en-US" altLang="zh-CN" sz="2000" dirty="0">
+                <a:latin typeface="Microsoft YaHei" charset="-122"/>
+                <a:ea typeface="Microsoft YaHei" charset="-122"/>
+                <a:cs typeface="Microsoft YaHei" charset="-122"/>
+              </a:rPr>
+              <a:t>cache </a:t>
+            </a:r>
+            <a:r>
+              <a:rPr lang="zh-CN" altLang="en-US" sz="2000" dirty="0">
+                <a:latin typeface="Microsoft YaHei" charset="-122"/>
+                <a:ea typeface="Microsoft YaHei" charset="-122"/>
+                <a:cs typeface="Microsoft YaHei" charset="-122"/>
+              </a:rPr>
+              <a:t>命中率，非常黑</a:t>
+            </a:r>
+            <a:r>
+              <a:rPr lang="zh-CN" altLang="en-US" sz="2000" dirty="0" smtClean="0">
+                <a:latin typeface="Microsoft YaHei" charset="-122"/>
+                <a:ea typeface="Microsoft YaHei" charset="-122"/>
+                <a:cs typeface="Microsoft YaHei" charset="-122"/>
+              </a:rPr>
+              <a:t>科技。</a:t>
+            </a:r>
             <a:endParaRPr lang="en-US" altLang="zh-CN" sz="2000" dirty="0" smtClean="0">
               <a:latin typeface="Microsoft YaHei" charset="-122"/>
               <a:ea typeface="Microsoft YaHei" charset="-122"/>
@@ -14473,142 +14390,124 @@
             </a:endParaRPr>
           </a:p>
           <a:p>
-            <a:pPr>
+            <a:pPr marL="457200" indent="-457200">
               <a:lnSpc>
                 <a:spcPct val="200000"/>
               </a:lnSpc>
+              <a:buFont typeface="+mj-lt"/>
+              <a:buAutoNum type="arabicPeriod"/>
             </a:pPr>
             <a:r>
+              <a:rPr lang="en-US" altLang="zh-CN" sz="2000" dirty="0" smtClean="0">
+                <a:latin typeface="Microsoft YaHei" charset="-122"/>
+                <a:ea typeface="Microsoft YaHei" charset="-122"/>
+                <a:cs typeface="Microsoft YaHei" charset="-122"/>
+              </a:rPr>
+              <a:t>Adaptive </a:t>
+            </a:r>
+            <a:r>
+              <a:rPr lang="en-US" altLang="zh-CN" sz="2000" dirty="0">
+                <a:latin typeface="Microsoft YaHei" charset="-122"/>
+                <a:ea typeface="Microsoft YaHei" charset="-122"/>
+                <a:cs typeface="Microsoft YaHei" charset="-122"/>
+              </a:rPr>
+              <a:t>radix tree </a:t>
+            </a:r>
+            <a:r>
+              <a:rPr lang="zh-CN" altLang="en-US" sz="2000" dirty="0">
+                <a:latin typeface="Microsoft YaHei" charset="-122"/>
+                <a:ea typeface="Microsoft YaHei" charset="-122"/>
+                <a:cs typeface="Microsoft YaHei" charset="-122"/>
+              </a:rPr>
+              <a:t>是一种动态管理儿子结点的</a:t>
+            </a:r>
+            <a:r>
+              <a:rPr lang="en-US" altLang="zh-CN" sz="2000" dirty="0" err="1">
+                <a:latin typeface="Microsoft YaHei" charset="-122"/>
+                <a:ea typeface="Microsoft YaHei" charset="-122"/>
+                <a:cs typeface="Microsoft YaHei" charset="-122"/>
+              </a:rPr>
+              <a:t>Trie</a:t>
+            </a:r>
+            <a:r>
+              <a:rPr lang="zh-CN" altLang="en-US" sz="2000" dirty="0">
+                <a:latin typeface="Microsoft YaHei" charset="-122"/>
+                <a:ea typeface="Microsoft YaHei" charset="-122"/>
+                <a:cs typeface="Microsoft YaHei" charset="-122"/>
+              </a:rPr>
+              <a:t>结构，它可以动态的根据子结点的个数分配内存，每个结点存儿子结点的指针都是动态的，这样做可以更好的节省内存，这种结构既可以用在 </a:t>
+            </a:r>
+            <a:r>
+              <a:rPr lang="en-US" altLang="zh-CN" sz="2000" dirty="0" err="1">
+                <a:latin typeface="Microsoft YaHei" charset="-122"/>
+                <a:ea typeface="Microsoft YaHei" charset="-122"/>
+                <a:cs typeface="Microsoft YaHei" charset="-122"/>
+              </a:rPr>
+              <a:t>Trie</a:t>
+            </a:r>
+            <a:r>
+              <a:rPr lang="en-US" altLang="zh-CN" sz="2000" dirty="0">
+                <a:latin typeface="Microsoft YaHei" charset="-122"/>
+                <a:ea typeface="Microsoft YaHei" charset="-122"/>
+                <a:cs typeface="Microsoft YaHei" charset="-122"/>
+              </a:rPr>
+              <a:t> </a:t>
+            </a:r>
+            <a:r>
+              <a:rPr lang="zh-CN" altLang="en-US" sz="2000" dirty="0">
+                <a:latin typeface="Microsoft YaHei" charset="-122"/>
+                <a:ea typeface="Microsoft YaHei" charset="-122"/>
+                <a:cs typeface="Microsoft YaHei" charset="-122"/>
+              </a:rPr>
+              <a:t>上也可以用在 </a:t>
+            </a:r>
+            <a:r>
+              <a:rPr lang="en-US" altLang="zh-CN" sz="2000" dirty="0">
+                <a:latin typeface="Microsoft YaHei" charset="-122"/>
+                <a:ea typeface="Microsoft YaHei" charset="-122"/>
+                <a:cs typeface="Microsoft YaHei" charset="-122"/>
+              </a:rPr>
+              <a:t>Patricia </a:t>
+            </a:r>
+            <a:r>
+              <a:rPr lang="zh-CN" altLang="en-US" sz="2000" dirty="0">
+                <a:latin typeface="Microsoft YaHei" charset="-122"/>
+                <a:ea typeface="Microsoft YaHei" charset="-122"/>
+                <a:cs typeface="Microsoft YaHei" charset="-122"/>
+              </a:rPr>
+              <a:t>上，在本次的 </a:t>
+            </a:r>
+            <a:r>
+              <a:rPr lang="en-US" altLang="zh-CN" sz="2000" dirty="0">
+                <a:latin typeface="Microsoft YaHei" charset="-122"/>
+                <a:ea typeface="Microsoft YaHei" charset="-122"/>
+                <a:cs typeface="Microsoft YaHei" charset="-122"/>
+              </a:rPr>
+              <a:t>Patricia tree </a:t>
+            </a:r>
+            <a:r>
+              <a:rPr lang="zh-CN" altLang="en-US" sz="2000" dirty="0">
+                <a:latin typeface="Microsoft YaHei" charset="-122"/>
+                <a:ea typeface="Microsoft YaHei" charset="-122"/>
+                <a:cs typeface="Microsoft YaHei" charset="-122"/>
+              </a:rPr>
+              <a:t>中我们实现的就是一个 </a:t>
+            </a:r>
+            <a:r>
+              <a:rPr lang="en-US" altLang="zh-CN" sz="2000" dirty="0">
+                <a:latin typeface="Microsoft YaHei" charset="-122"/>
+                <a:ea typeface="Microsoft YaHei" charset="-122"/>
+                <a:cs typeface="Microsoft YaHei" charset="-122"/>
+              </a:rPr>
+              <a:t>Adaptive radix tree </a:t>
+            </a:r>
+            <a:r>
               <a:rPr lang="zh-CN" altLang="en-US" sz="2000" dirty="0" smtClean="0">
                 <a:latin typeface="Microsoft YaHei" charset="-122"/>
                 <a:ea typeface="Microsoft YaHei" charset="-122"/>
                 <a:cs typeface="Microsoft YaHei" charset="-122"/>
               </a:rPr>
-              <a:t>有</a:t>
-            </a:r>
-            <a:r>
-              <a:rPr lang="zh-CN" altLang="en-US" sz="2000" dirty="0">
-                <a:latin typeface="Microsoft YaHei" charset="-122"/>
-                <a:ea typeface="Microsoft YaHei" charset="-122"/>
-                <a:cs typeface="Microsoft YaHei" charset="-122"/>
-              </a:rPr>
-              <a:t>请</a:t>
-            </a:r>
-            <a:r>
-              <a:rPr lang="zh-CN" altLang="en-US" sz="2000" dirty="0" smtClean="0">
-                <a:latin typeface="Microsoft YaHei" charset="-122"/>
-                <a:ea typeface="Microsoft YaHei" charset="-122"/>
-                <a:cs typeface="Microsoft YaHei" charset="-122"/>
-              </a:rPr>
-              <a:t>武德浩同学登场</a:t>
-            </a:r>
-            <a:r>
-              <a:rPr lang="zh-CN" altLang="en-US" sz="2000" dirty="0">
-                <a:latin typeface="Microsoft YaHei" charset="-122"/>
-                <a:ea typeface="Microsoft YaHei" charset="-122"/>
-                <a:cs typeface="Microsoft YaHei" charset="-122"/>
-              </a:rPr>
-              <a:t>为我们</a:t>
-            </a:r>
-            <a:r>
-              <a:rPr lang="zh-CN" altLang="en-US" sz="2000" dirty="0" smtClean="0">
-                <a:latin typeface="Microsoft YaHei" charset="-122"/>
-                <a:ea typeface="Microsoft YaHei" charset="-122"/>
-                <a:cs typeface="Microsoft YaHei" charset="-122"/>
-              </a:rPr>
-              <a:t>展示他结合 </a:t>
-            </a:r>
-            <a:r>
-              <a:rPr lang="en-US" altLang="zh-CN" sz="2000" dirty="0" err="1">
-                <a:latin typeface="Microsoft YaHei" charset="-122"/>
-                <a:ea typeface="Microsoft YaHei" charset="-122"/>
-                <a:cs typeface="Microsoft YaHei" charset="-122"/>
-              </a:rPr>
-              <a:t>Qt</a:t>
-            </a:r>
-            <a:r>
-              <a:rPr lang="en-US" altLang="zh-CN" sz="2000" dirty="0">
-                <a:latin typeface="Microsoft YaHei" charset="-122"/>
-                <a:ea typeface="Microsoft YaHei" charset="-122"/>
-                <a:cs typeface="Microsoft YaHei" charset="-122"/>
-              </a:rPr>
-              <a:t> </a:t>
-            </a:r>
-            <a:r>
-              <a:rPr lang="zh-CN" altLang="en-US" sz="2000" dirty="0">
-                <a:latin typeface="Microsoft YaHei" charset="-122"/>
-                <a:ea typeface="Microsoft YaHei" charset="-122"/>
-                <a:cs typeface="Microsoft YaHei" charset="-122"/>
-              </a:rPr>
-              <a:t>做出</a:t>
-            </a:r>
-            <a:r>
-              <a:rPr lang="zh-CN" altLang="en-US" sz="2000" dirty="0" smtClean="0">
-                <a:latin typeface="Microsoft YaHei" charset="-122"/>
-                <a:ea typeface="Microsoft YaHei" charset="-122"/>
-                <a:cs typeface="Microsoft YaHei" charset="-122"/>
-              </a:rPr>
-              <a:t>的 </a:t>
-            </a:r>
-            <a:r>
-              <a:rPr lang="en-US" altLang="zh-CN" sz="2000" dirty="0" smtClean="0">
-                <a:latin typeface="Microsoft YaHei" charset="-122"/>
-                <a:ea typeface="Microsoft YaHei" charset="-122"/>
-                <a:cs typeface="Microsoft YaHei" charset="-122"/>
-              </a:rPr>
-              <a:t>Patricia</a:t>
-            </a:r>
-            <a:r>
-              <a:rPr lang="zh-CN" altLang="en-US" sz="2000" dirty="0" smtClean="0">
-                <a:latin typeface="Microsoft YaHei" charset="-122"/>
-                <a:ea typeface="Microsoft YaHei" charset="-122"/>
-                <a:cs typeface="Microsoft YaHei" charset="-122"/>
-              </a:rPr>
-              <a:t> 应用。</a:t>
-            </a:r>
-            <a:endParaRPr lang="en-US" altLang="zh-CN" sz="2000" dirty="0">
-              <a:latin typeface="Microsoft YaHei" charset="-122"/>
-              <a:ea typeface="Microsoft YaHei" charset="-122"/>
-              <a:cs typeface="Microsoft YaHei" charset="-122"/>
-            </a:endParaRPr>
-          </a:p>
-          <a:p>
-            <a:pPr>
-              <a:lnSpc>
-                <a:spcPct val="200000"/>
-              </a:lnSpc>
-            </a:pPr>
-            <a:r>
-              <a:rPr lang="zh-CN" altLang="en-US" sz="2000" dirty="0" smtClean="0">
-                <a:latin typeface="Microsoft YaHei" charset="-122"/>
-                <a:ea typeface="Microsoft YaHei" charset="-122"/>
-                <a:cs typeface="Microsoft YaHei" charset="-122"/>
-              </a:rPr>
-              <a:t>啪</a:t>
-            </a:r>
-            <a:r>
-              <a:rPr lang="zh-CN" altLang="en-US" sz="2000" dirty="0">
-                <a:latin typeface="Microsoft YaHei" charset="-122"/>
-                <a:ea typeface="Microsoft YaHei" charset="-122"/>
-                <a:cs typeface="Microsoft YaHei" charset="-122"/>
-              </a:rPr>
-              <a:t>啪啪啪（</a:t>
-            </a:r>
-            <a:r>
-              <a:rPr lang="zh-CN" altLang="en-US" sz="2000" dirty="0" smtClean="0">
-                <a:latin typeface="Microsoft YaHei" charset="-122"/>
-                <a:ea typeface="Microsoft YaHei" charset="-122"/>
-                <a:cs typeface="Microsoft YaHei" charset="-122"/>
-              </a:rPr>
-              <a:t>是鼓掌，</a:t>
-            </a:r>
-            <a:r>
-              <a:rPr lang="zh-CN" altLang="en-US" sz="2000" dirty="0">
-                <a:latin typeface="Microsoft YaHei" charset="-122"/>
-                <a:ea typeface="Microsoft YaHei" charset="-122"/>
-                <a:cs typeface="Microsoft YaHei" charset="-122"/>
-              </a:rPr>
-              <a:t>不要想太歪）</a:t>
+              <a:t>结构。</a:t>
             </a:r>
             <a:endParaRPr lang="en-US" altLang="zh-CN" sz="2000" dirty="0" smtClean="0">
               <a:latin typeface="Microsoft YaHei" charset="-122"/>
@@ -14627,7 +14526,7 @@
         <p:spPr>
           <a:xfrm>
             <a:off x="1105042" y="1794222"/>
-            <a:ext cx="3262432" cy="461665"/>
+            <a:ext cx="1415772" cy="461665"/>
           </a:xfrm>
           <a:prstGeom prst="rect">
             <a:avLst/>
@@ -14645,7 +14544,7 @@
                 <a:ea typeface="Microsoft YaHei" charset="-122"/>
                 <a:cs typeface="Microsoft YaHei" charset="-122"/>
               </a:rPr>
-              <a:t>真正的大神即将登场！</a:t>
+              <a:t>当然有！</a:t>
             </a:r>
             <a:endParaRPr lang="en-US" sz="2400" dirty="0">
               <a:latin typeface="Microsoft YaHei" charset="-122"/>
@@ -14658,7 +14557,7 @@
     </p:spTree>
     <p:extLst>
       <p:ext uri="{BB962C8B-B14F-4D97-AF65-F5344CB8AC3E}">
-        <p14:creationId xmlns:p14="http://schemas.microsoft.com/office/powerpoint/2010/main" val="977606529"/>
+        <p14:creationId xmlns:p14="http://schemas.microsoft.com/office/powerpoint/2010/main" val="784218505"/>
       </p:ext>
     </p:extLst>
   </p:cSld>
@@ -14773,21 +14672,49 @@
                 <a:latin typeface="微软雅黑" panose="020B0503020204020204" pitchFamily="34" charset="-122"/>
                 <a:ea typeface="微软雅黑" panose="020B0503020204020204" pitchFamily="34" charset="-122"/>
               </a:rPr>
-              <a:t>写在最后的一些</a:t>
+              <a:t>应用展示：基于</a:t>
+            </a:r>
+            <a:r>
+              <a:rPr lang="en-US" altLang="zh-CN" sz="3600" dirty="0" err="1">
+                <a:latin typeface="微软雅黑" panose="020B0503020204020204" pitchFamily="34" charset="-122"/>
+                <a:ea typeface="微软雅黑" panose="020B0503020204020204" pitchFamily="34" charset="-122"/>
+              </a:rPr>
+              <a:t>Qt</a:t>
+            </a:r>
+            <a:r>
+              <a:rPr lang="zh-CN" altLang="en-US" sz="3600" dirty="0">
+                <a:latin typeface="微软雅黑" panose="020B0503020204020204" pitchFamily="34" charset="-122"/>
+                <a:ea typeface="微软雅黑" panose="020B0503020204020204" pitchFamily="34" charset="-122"/>
+              </a:rPr>
+              <a:t>实现的 </a:t>
+            </a:r>
+            <a:r>
+              <a:rPr lang="en-US" altLang="zh-CN" sz="3600" dirty="0">
+                <a:latin typeface="微软雅黑" panose="020B0503020204020204" pitchFamily="34" charset="-122"/>
+                <a:ea typeface="微软雅黑" panose="020B0503020204020204" pitchFamily="34" charset="-122"/>
+              </a:rPr>
+              <a:t>Patricia</a:t>
+            </a:r>
+            <a:r>
+              <a:rPr lang="zh-CN" altLang="en-US" sz="3600" dirty="0">
+                <a:latin typeface="微软雅黑" panose="020B0503020204020204" pitchFamily="34" charset="-122"/>
+                <a:ea typeface="微软雅黑" panose="020B0503020204020204" pitchFamily="34" charset="-122"/>
+              </a:rPr>
+              <a:t> 相关应用。</a:t>
             </a:r>
           </a:p>
         </p:txBody>
       </p:sp>
       <p:sp>
         <p:nvSpPr>
-          <p:cNvPr id="7" name="Rectangle 6"/>
+          <p:cNvPr id="6" name="Rectangle 6"/>
           <p:cNvSpPr/>
           <p:nvPr/>
         </p:nvSpPr>
         <p:spPr>
           <a:xfrm>
-            <a:off x="1258362" y="2384782"/>
-            <a:ext cx="9905080" cy="3970318"/>
+            <a:off x="1105042" y="2255887"/>
+            <a:ext cx="9905080" cy="1938992"/>
           </a:xfrm>
           <a:prstGeom prst="rect">
             <a:avLst/>
@@ -14799,385 +14726,74 @@
           </a:bodyPr>
           <a:lstStyle/>
           <a:p>
-            <a:pPr>
+            <a:pPr marL="457200" indent="-457200">
               <a:lnSpc>
                 <a:spcPct val="200000"/>
               </a:lnSpc>
+              <a:buFont typeface="+mj-lt"/>
+              <a:buAutoNum type="arabicPeriod"/>
             </a:pPr>
             <a:r>
-              <a:rPr lang="zh-CN" altLang="en-US" dirty="0">
-                <a:latin typeface="Microsoft YaHei" charset="-122"/>
-                <a:ea typeface="Microsoft YaHei" charset="-122"/>
-                <a:cs typeface="Microsoft YaHei" charset="-122"/>
-              </a:rPr>
-              <a:t>我们一开始制定了一个比较科学的</a:t>
-            </a:r>
-            <a:r>
-              <a:rPr lang="zh-CN" altLang="en-US" dirty="0" smtClean="0">
-                <a:latin typeface="Microsoft YaHei" charset="-122"/>
-                <a:ea typeface="Microsoft YaHei" charset="-122"/>
-                <a:cs typeface="Microsoft YaHei" charset="-122"/>
-              </a:rPr>
-              <a:t>分工。</a:t>
-            </a:r>
-            <a:endParaRPr lang="en-US" altLang="zh-CN" dirty="0" smtClean="0">
+              <a:rPr lang="zh-CN" altLang="en-US" sz="2000" dirty="0" smtClean="0">
+                <a:latin typeface="Microsoft YaHei" charset="-122"/>
+                <a:ea typeface="Microsoft YaHei" charset="-122"/>
+                <a:cs typeface="Microsoft YaHei" charset="-122"/>
+              </a:rPr>
+              <a:t>数据结构动态展示与对比</a:t>
+            </a:r>
+            <a:endParaRPr lang="en-US" altLang="zh-CN" sz="2000" dirty="0" smtClean="0">
               <a:latin typeface="Microsoft YaHei" charset="-122"/>
               <a:ea typeface="Microsoft YaHei" charset="-122"/>
               <a:cs typeface="Microsoft YaHei" charset="-122"/>
             </a:endParaRPr>
           </a:p>
           <a:p>
-            <a:pPr>
+            <a:pPr marL="457200" indent="-457200">
               <a:lnSpc>
                 <a:spcPct val="200000"/>
               </a:lnSpc>
+              <a:buFont typeface="+mj-lt"/>
+              <a:buAutoNum type="arabicPeriod"/>
             </a:pPr>
             <a:r>
-              <a:rPr lang="zh-CN" altLang="en-US" dirty="0" smtClean="0">
-                <a:latin typeface="Microsoft YaHei" charset="-122"/>
-                <a:ea typeface="Microsoft YaHei" charset="-122"/>
-                <a:cs typeface="Microsoft YaHei" charset="-122"/>
-              </a:rPr>
-              <a:t>本次</a:t>
-            </a:r>
-            <a:r>
-              <a:rPr lang="zh-CN" altLang="en-US" dirty="0">
-                <a:latin typeface="Microsoft YaHei" charset="-122"/>
-                <a:ea typeface="Microsoft YaHei" charset="-122"/>
-                <a:cs typeface="Microsoft YaHei" charset="-122"/>
-              </a:rPr>
-              <a:t>实验我（李博）在前期主要负责 </a:t>
-            </a:r>
-            <a:r>
-              <a:rPr lang="en-US" altLang="zh-CN" dirty="0">
-                <a:latin typeface="Microsoft YaHei" charset="-122"/>
-                <a:ea typeface="Microsoft YaHei" charset="-122"/>
-                <a:cs typeface="Microsoft YaHei" charset="-122"/>
-              </a:rPr>
-              <a:t>Patricia Tree </a:t>
-            </a:r>
-            <a:r>
-              <a:rPr lang="zh-CN" altLang="en-US" dirty="0" smtClean="0">
-                <a:latin typeface="Microsoft YaHei" charset="-122"/>
-                <a:ea typeface="Microsoft YaHei" charset="-122"/>
-                <a:cs typeface="Microsoft YaHei" charset="-122"/>
-              </a:rPr>
-              <a:t>和传统 </a:t>
-            </a:r>
-            <a:r>
-              <a:rPr lang="en-US" altLang="zh-CN" dirty="0" err="1" smtClean="0">
-                <a:latin typeface="Microsoft YaHei" charset="-122"/>
-                <a:ea typeface="Microsoft YaHei" charset="-122"/>
-                <a:cs typeface="Microsoft YaHei" charset="-122"/>
-              </a:rPr>
-              <a:t>Trie</a:t>
-            </a:r>
-            <a:r>
-              <a:rPr lang="en-US" altLang="zh-CN" dirty="0" smtClean="0">
-                <a:latin typeface="Microsoft YaHei" charset="-122"/>
-                <a:ea typeface="Microsoft YaHei" charset="-122"/>
-                <a:cs typeface="Microsoft YaHei" charset="-122"/>
-              </a:rPr>
-              <a:t> </a:t>
-            </a:r>
-            <a:r>
-              <a:rPr lang="en-US" altLang="zh-CN" dirty="0">
-                <a:latin typeface="Microsoft YaHei" charset="-122"/>
-                <a:ea typeface="Microsoft YaHei" charset="-122"/>
-                <a:cs typeface="Microsoft YaHei" charset="-122"/>
-              </a:rPr>
-              <a:t>Tree </a:t>
-            </a:r>
-            <a:r>
-              <a:rPr lang="zh-CN" altLang="en-US" dirty="0">
-                <a:latin typeface="Microsoft YaHei" charset="-122"/>
-                <a:ea typeface="Microsoft YaHei" charset="-122"/>
-                <a:cs typeface="Microsoft YaHei" charset="-122"/>
-              </a:rPr>
-              <a:t>类的结构设计与代码</a:t>
-            </a:r>
-            <a:r>
-              <a:rPr lang="zh-CN" altLang="en-US" dirty="0" smtClean="0">
-                <a:latin typeface="Microsoft YaHei" charset="-122"/>
-                <a:ea typeface="Microsoft YaHei" charset="-122"/>
-                <a:cs typeface="Microsoft YaHei" charset="-122"/>
-              </a:rPr>
-              <a:t>实现。前期</a:t>
-            </a:r>
-            <a:r>
-              <a:rPr lang="zh-CN" altLang="en-US" dirty="0">
-                <a:latin typeface="Microsoft YaHei" charset="-122"/>
-                <a:ea typeface="Microsoft YaHei" charset="-122"/>
-                <a:cs typeface="Microsoft YaHei" charset="-122"/>
-              </a:rPr>
-              <a:t>给武德浩留出了准备 </a:t>
-            </a:r>
-            <a:r>
-              <a:rPr lang="en-US" altLang="zh-CN" dirty="0" err="1">
-                <a:latin typeface="Microsoft YaHei" charset="-122"/>
-                <a:ea typeface="Microsoft YaHei" charset="-122"/>
-                <a:cs typeface="Microsoft YaHei" charset="-122"/>
-              </a:rPr>
-              <a:t>Qt</a:t>
-            </a:r>
-            <a:r>
-              <a:rPr lang="en-US" altLang="zh-CN" dirty="0">
-                <a:latin typeface="Microsoft YaHei" charset="-122"/>
-                <a:ea typeface="Microsoft YaHei" charset="-122"/>
-                <a:cs typeface="Microsoft YaHei" charset="-122"/>
-              </a:rPr>
-              <a:t> </a:t>
-            </a:r>
-            <a:r>
-              <a:rPr lang="zh-CN" altLang="en-US" dirty="0">
-                <a:latin typeface="Microsoft YaHei" charset="-122"/>
-                <a:ea typeface="Microsoft YaHei" charset="-122"/>
-                <a:cs typeface="Microsoft YaHei" charset="-122"/>
-              </a:rPr>
-              <a:t>和设计应用的</a:t>
-            </a:r>
-            <a:r>
-              <a:rPr lang="zh-CN" altLang="en-US" dirty="0" smtClean="0">
-                <a:latin typeface="Microsoft YaHei" charset="-122"/>
-                <a:ea typeface="Microsoft YaHei" charset="-122"/>
-                <a:cs typeface="Microsoft YaHei" charset="-122"/>
-              </a:rPr>
-              <a:t>时间。</a:t>
-            </a:r>
-            <a:endParaRPr lang="en-US" altLang="zh-CN" dirty="0" smtClean="0">
+              <a:rPr lang="zh-CN" altLang="en-US" sz="2000" dirty="0">
+                <a:latin typeface="Microsoft YaHei" charset="-122"/>
+                <a:ea typeface="Microsoft YaHei" charset="-122"/>
+                <a:cs typeface="Microsoft YaHei" charset="-122"/>
+              </a:rPr>
+              <a:t>文档判</a:t>
+            </a:r>
+            <a:r>
+              <a:rPr lang="zh-CN" altLang="en-US" sz="2000" dirty="0" smtClean="0">
+                <a:latin typeface="Microsoft YaHei" charset="-122"/>
+                <a:ea typeface="Microsoft YaHei" charset="-122"/>
+                <a:cs typeface="Microsoft YaHei" charset="-122"/>
+              </a:rPr>
+              <a:t>重</a:t>
+            </a:r>
+            <a:endParaRPr lang="en-US" altLang="zh-CN" sz="2000" dirty="0" smtClean="0">
               <a:latin typeface="Microsoft YaHei" charset="-122"/>
               <a:ea typeface="Microsoft YaHei" charset="-122"/>
               <a:cs typeface="Microsoft YaHei" charset="-122"/>
             </a:endParaRPr>
           </a:p>
           <a:p>
-            <a:pPr>
+            <a:pPr marL="457200" indent="-457200">
               <a:lnSpc>
                 <a:spcPct val="200000"/>
               </a:lnSpc>
+              <a:buFont typeface="+mj-lt"/>
+              <a:buAutoNum type="arabicPeriod"/>
             </a:pPr>
             <a:r>
-              <a:rPr lang="zh-CN" altLang="en-US" dirty="0" smtClean="0">
-                <a:latin typeface="Microsoft YaHei" charset="-122"/>
-                <a:ea typeface="Microsoft YaHei" charset="-122"/>
-                <a:cs typeface="Microsoft YaHei" charset="-122"/>
-              </a:rPr>
-              <a:t>当</a:t>
-            </a:r>
-            <a:r>
-              <a:rPr lang="zh-CN" altLang="en-US" dirty="0">
-                <a:latin typeface="Microsoft YaHei" charset="-122"/>
-                <a:ea typeface="Microsoft YaHei" charset="-122"/>
-                <a:cs typeface="Microsoft YaHei" charset="-122"/>
-              </a:rPr>
-              <a:t>我完成了数据结构相关的</a:t>
-            </a:r>
-            <a:r>
-              <a:rPr lang="zh-CN" altLang="en-US" dirty="0" smtClean="0">
-                <a:latin typeface="Microsoft YaHei" charset="-122"/>
-                <a:ea typeface="Microsoft YaHei" charset="-122"/>
-                <a:cs typeface="Microsoft YaHei" charset="-122"/>
-              </a:rPr>
-              <a:t>代码，</a:t>
-            </a:r>
-            <a:r>
-              <a:rPr lang="zh-CN" altLang="en-US" dirty="0">
-                <a:latin typeface="Microsoft YaHei" charset="-122"/>
-                <a:ea typeface="Microsoft YaHei" charset="-122"/>
-                <a:cs typeface="Microsoft YaHei" charset="-122"/>
-              </a:rPr>
-              <a:t>并将设计接口交接给武德浩</a:t>
-            </a:r>
-            <a:r>
-              <a:rPr lang="zh-CN" altLang="en-US" dirty="0" smtClean="0">
-                <a:latin typeface="Microsoft YaHei" charset="-122"/>
-                <a:ea typeface="Microsoft YaHei" charset="-122"/>
-                <a:cs typeface="Microsoft YaHei" charset="-122"/>
-              </a:rPr>
-              <a:t>之后，我</a:t>
-            </a:r>
-            <a:r>
-              <a:rPr lang="zh-CN" altLang="en-US" dirty="0">
-                <a:latin typeface="Microsoft YaHei" charset="-122"/>
-                <a:ea typeface="Microsoft YaHei" charset="-122"/>
-                <a:cs typeface="Microsoft YaHei" charset="-122"/>
-              </a:rPr>
-              <a:t>就直接开始了准备文档，报告，</a:t>
-            </a:r>
-            <a:r>
-              <a:rPr lang="en-US" altLang="zh-CN" dirty="0">
-                <a:latin typeface="Microsoft YaHei" charset="-122"/>
-                <a:ea typeface="Microsoft YaHei" charset="-122"/>
-                <a:cs typeface="Microsoft YaHei" charset="-122"/>
-              </a:rPr>
-              <a:t>PPT </a:t>
-            </a:r>
-            <a:r>
-              <a:rPr lang="zh-CN" altLang="en-US" dirty="0">
-                <a:latin typeface="Microsoft YaHei" charset="-122"/>
-                <a:ea typeface="Microsoft YaHei" charset="-122"/>
-                <a:cs typeface="Microsoft YaHei" charset="-122"/>
-              </a:rPr>
-              <a:t>的工作，此时我和武德浩并行的处理着我们的项目，他一边攻克着 </a:t>
-            </a:r>
-            <a:r>
-              <a:rPr lang="en-US" altLang="zh-CN" dirty="0" err="1">
-                <a:latin typeface="Microsoft YaHei" charset="-122"/>
-                <a:ea typeface="Microsoft YaHei" charset="-122"/>
-                <a:cs typeface="Microsoft YaHei" charset="-122"/>
-              </a:rPr>
-              <a:t>Qt</a:t>
-            </a:r>
-            <a:r>
-              <a:rPr lang="en-US" altLang="zh-CN" dirty="0">
-                <a:latin typeface="Microsoft YaHei" charset="-122"/>
-                <a:ea typeface="Microsoft YaHei" charset="-122"/>
-                <a:cs typeface="Microsoft YaHei" charset="-122"/>
-              </a:rPr>
-              <a:t> </a:t>
-            </a:r>
-            <a:r>
-              <a:rPr lang="zh-CN" altLang="en-US" dirty="0">
-                <a:latin typeface="Microsoft YaHei" charset="-122"/>
-                <a:ea typeface="Microsoft YaHei" charset="-122"/>
-                <a:cs typeface="Microsoft YaHei" charset="-122"/>
-              </a:rPr>
-              <a:t>当中所遇到的无数</a:t>
-            </a:r>
-            <a:r>
-              <a:rPr lang="zh-CN" altLang="en-US" dirty="0" smtClean="0">
-                <a:latin typeface="Microsoft YaHei" charset="-122"/>
-                <a:ea typeface="Microsoft YaHei" charset="-122"/>
-                <a:cs typeface="Microsoft YaHei" charset="-122"/>
-              </a:rPr>
-              <a:t>难题（比如画树，图表展示，文本判重设计等），</a:t>
-            </a:r>
-            <a:r>
-              <a:rPr lang="zh-CN" altLang="en-US" dirty="0">
-                <a:latin typeface="Microsoft YaHei" charset="-122"/>
-                <a:ea typeface="Microsoft YaHei" charset="-122"/>
-                <a:cs typeface="Microsoft YaHei" charset="-122"/>
-              </a:rPr>
-              <a:t>我一边浏览着无数相关 </a:t>
-            </a:r>
-            <a:r>
-              <a:rPr lang="en-US" altLang="zh-CN" dirty="0">
-                <a:latin typeface="Microsoft YaHei" charset="-122"/>
-                <a:ea typeface="Microsoft YaHei" charset="-122"/>
-                <a:cs typeface="Microsoft YaHei" charset="-122"/>
-              </a:rPr>
-              <a:t>Patricia Tree </a:t>
-            </a:r>
-            <a:r>
-              <a:rPr lang="zh-CN" altLang="en-US" dirty="0">
-                <a:latin typeface="Microsoft YaHei" charset="-122"/>
-                <a:ea typeface="Microsoft YaHei" charset="-122"/>
-                <a:cs typeface="Microsoft YaHei" charset="-122"/>
-              </a:rPr>
-              <a:t>的各路博客与</a:t>
-            </a:r>
-            <a:r>
-              <a:rPr lang="en-US" altLang="zh-CN" dirty="0">
-                <a:latin typeface="Microsoft YaHei" charset="-122"/>
-                <a:ea typeface="Microsoft YaHei" charset="-122"/>
-                <a:cs typeface="Microsoft YaHei" charset="-122"/>
-              </a:rPr>
-              <a:t>Paper</a:t>
-            </a:r>
-            <a:r>
-              <a:rPr lang="zh-CN" altLang="en-US" dirty="0">
-                <a:latin typeface="Microsoft YaHei" charset="-122"/>
-                <a:ea typeface="Microsoft YaHei" charset="-122"/>
-                <a:cs typeface="Microsoft YaHei" charset="-122"/>
-              </a:rPr>
-              <a:t>，准备我们最后的文档部分，也就是这篇万字（</a:t>
-            </a:r>
-            <a:r>
-              <a:rPr lang="en-US" altLang="zh-CN" dirty="0" err="1">
-                <a:latin typeface="Microsoft YaHei" charset="-122"/>
-                <a:ea typeface="Microsoft YaHei" charset="-122"/>
-                <a:cs typeface="Microsoft YaHei" charset="-122"/>
-              </a:rPr>
-              <a:t>xia</a:t>
-            </a:r>
-            <a:r>
-              <a:rPr lang="en-US" altLang="zh-CN" dirty="0">
-                <a:latin typeface="Microsoft YaHei" charset="-122"/>
-                <a:ea typeface="Microsoft YaHei" charset="-122"/>
-                <a:cs typeface="Microsoft YaHei" charset="-122"/>
-              </a:rPr>
-              <a:t> </a:t>
-            </a:r>
-            <a:r>
-              <a:rPr lang="en-US" altLang="zh-CN" dirty="0" err="1">
-                <a:latin typeface="Microsoft YaHei" charset="-122"/>
-                <a:ea typeface="Microsoft YaHei" charset="-122"/>
-                <a:cs typeface="Microsoft YaHei" charset="-122"/>
-              </a:rPr>
-              <a:t>che</a:t>
-            </a:r>
-            <a:r>
-              <a:rPr lang="zh-CN" altLang="en-US" dirty="0">
-                <a:latin typeface="Microsoft YaHei" charset="-122"/>
-                <a:ea typeface="Microsoft YaHei" charset="-122"/>
-                <a:cs typeface="Microsoft YaHei" charset="-122"/>
-              </a:rPr>
-              <a:t>）长文。</a:t>
-            </a:r>
-            <a:endParaRPr lang="en-US" altLang="zh-CN" dirty="0" smtClean="0">
-              <a:latin typeface="Microsoft YaHei" charset="-122"/>
-              <a:ea typeface="Microsoft YaHei" charset="-122"/>
-              <a:cs typeface="Microsoft YaHei" charset="-122"/>
-            </a:endParaRPr>
-          </a:p>
-        </p:txBody>
-      </p:sp>
-      <p:sp>
-        <p:nvSpPr>
-          <p:cNvPr id="3" name="Rectangle 2"/>
-          <p:cNvSpPr/>
-          <p:nvPr/>
-        </p:nvSpPr>
-        <p:spPr>
-          <a:xfrm>
-            <a:off x="1105042" y="1794222"/>
-            <a:ext cx="3570208" cy="461665"/>
-          </a:xfrm>
-          <a:prstGeom prst="rect">
-            <a:avLst/>
-          </a:prstGeom>
-        </p:spPr>
-        <p:txBody>
-          <a:bodyPr wrap="none">
-            <a:spAutoFit/>
-          </a:bodyPr>
-          <a:lstStyle/>
-          <a:p>
-            <a:r>
-              <a:rPr lang="zh-CN" altLang="en-US" sz="2400" dirty="0" smtClean="0">
-                <a:latin typeface="Microsoft YaHei" charset="-122"/>
-                <a:ea typeface="Microsoft YaHei" charset="-122"/>
-                <a:cs typeface="Microsoft YaHei" charset="-122"/>
-              </a:rPr>
-              <a:t>基于</a:t>
-            </a:r>
-            <a:r>
-              <a:rPr lang="zh-CN" altLang="en-US" sz="2400" dirty="0" smtClean="0">
-                <a:latin typeface="Microsoft YaHei" charset="-122"/>
-                <a:ea typeface="Microsoft YaHei" charset="-122"/>
-                <a:cs typeface="Microsoft YaHei" charset="-122"/>
-              </a:rPr>
-              <a:t>异步与并行的</a:t>
-            </a:r>
-            <a:r>
-              <a:rPr lang="zh-CN" altLang="en-US" sz="2400" dirty="0" smtClean="0">
-                <a:latin typeface="Microsoft YaHei" charset="-122"/>
-                <a:ea typeface="Microsoft YaHei" charset="-122"/>
-                <a:cs typeface="Microsoft YaHei" charset="-122"/>
-              </a:rPr>
-              <a:t>思想嘛</a:t>
-            </a:r>
-            <a:endParaRPr lang="en-US" sz="2400" dirty="0">
+              <a:rPr lang="zh-CN" altLang="en-US" sz="2000" dirty="0">
+                <a:latin typeface="Microsoft YaHei" charset="-122"/>
+                <a:ea typeface="Microsoft YaHei" charset="-122"/>
+                <a:cs typeface="Microsoft YaHei" charset="-122"/>
+              </a:rPr>
+              <a:t>前缀查询</a:t>
+            </a:r>
+            <a:endParaRPr lang="en-US" altLang="zh-CN" sz="2000" dirty="0" smtClean="0">
               <a:latin typeface="Microsoft YaHei" charset="-122"/>
               <a:ea typeface="Microsoft YaHei" charset="-122"/>
               <a:cs typeface="Microsoft YaHei" charset="-122"/>
@@ -15188,7 +14804,7 @@
     </p:spTree>
     <p:extLst>
       <p:ext uri="{BB962C8B-B14F-4D97-AF65-F5344CB8AC3E}">
-        <p14:creationId xmlns:p14="http://schemas.microsoft.com/office/powerpoint/2010/main" val="1774590619"/>
+        <p14:creationId xmlns:p14="http://schemas.microsoft.com/office/powerpoint/2010/main" val="977606529"/>
       </p:ext>
     </p:extLst>
   </p:cSld>
@@ -15303,6 +14919,1277 @@
                 <a:latin typeface="微软雅黑" panose="020B0503020204020204" pitchFamily="34" charset="-122"/>
                 <a:ea typeface="微软雅黑" panose="020B0503020204020204" pitchFamily="34" charset="-122"/>
               </a:rPr>
+              <a:t>应用展示：基于</a:t>
+            </a:r>
+            <a:r>
+              <a:rPr lang="en-US" altLang="zh-CN" sz="3600" dirty="0" err="1">
+                <a:latin typeface="微软雅黑" panose="020B0503020204020204" pitchFamily="34" charset="-122"/>
+                <a:ea typeface="微软雅黑" panose="020B0503020204020204" pitchFamily="34" charset="-122"/>
+              </a:rPr>
+              <a:t>Qt</a:t>
+            </a:r>
+            <a:r>
+              <a:rPr lang="zh-CN" altLang="en-US" sz="3600" dirty="0">
+                <a:latin typeface="微软雅黑" panose="020B0503020204020204" pitchFamily="34" charset="-122"/>
+                <a:ea typeface="微软雅黑" panose="020B0503020204020204" pitchFamily="34" charset="-122"/>
+              </a:rPr>
+              <a:t>实现的 </a:t>
+            </a:r>
+            <a:r>
+              <a:rPr lang="en-US" altLang="zh-CN" sz="3600" dirty="0">
+                <a:latin typeface="微软雅黑" panose="020B0503020204020204" pitchFamily="34" charset="-122"/>
+                <a:ea typeface="微软雅黑" panose="020B0503020204020204" pitchFamily="34" charset="-122"/>
+              </a:rPr>
+              <a:t>Patricia</a:t>
+            </a:r>
+            <a:r>
+              <a:rPr lang="zh-CN" altLang="en-US" sz="3600" dirty="0">
+                <a:latin typeface="微软雅黑" panose="020B0503020204020204" pitchFamily="34" charset="-122"/>
+                <a:ea typeface="微软雅黑" panose="020B0503020204020204" pitchFamily="34" charset="-122"/>
+              </a:rPr>
+              <a:t> 相关应用。</a:t>
+            </a:r>
+          </a:p>
+        </p:txBody>
+      </p:sp>
+      <p:sp>
+        <p:nvSpPr>
+          <p:cNvPr id="6" name="Rectangle 6"/>
+          <p:cNvSpPr/>
+          <p:nvPr/>
+        </p:nvSpPr>
+        <p:spPr>
+          <a:xfrm>
+            <a:off x="1105042" y="2096861"/>
+            <a:ext cx="6110767" cy="1323439"/>
+          </a:xfrm>
+          <a:prstGeom prst="rect">
+            <a:avLst/>
+          </a:prstGeom>
+        </p:spPr>
+        <p:txBody>
+          <a:bodyPr wrap="square">
+            <a:spAutoFit/>
+          </a:bodyPr>
+          <a:lstStyle/>
+          <a:p>
+            <a:pPr>
+              <a:lnSpc>
+                <a:spcPct val="200000"/>
+              </a:lnSpc>
+            </a:pPr>
+            <a:r>
+              <a:rPr lang="zh-CN" altLang="en-US" sz="2000" dirty="0">
+                <a:latin typeface="Microsoft YaHei" charset="-122"/>
+                <a:ea typeface="Microsoft YaHei" charset="-122"/>
+                <a:cs typeface="Microsoft YaHei" charset="-122"/>
+              </a:rPr>
+              <a:t>动态展示</a:t>
+            </a:r>
+            <a:r>
+              <a:rPr lang="en-US" altLang="zh-CN" sz="2000" dirty="0">
+                <a:latin typeface="Microsoft YaHei" charset="-122"/>
+                <a:ea typeface="Microsoft YaHei" charset="-122"/>
+                <a:cs typeface="Microsoft YaHei" charset="-122"/>
+              </a:rPr>
+              <a:t>Partricia</a:t>
+            </a:r>
+            <a:r>
+              <a:rPr lang="zh-CN" altLang="en-US" sz="2000" dirty="0">
+                <a:latin typeface="Microsoft YaHei" charset="-122"/>
+                <a:ea typeface="Microsoft YaHei" charset="-122"/>
+                <a:cs typeface="Microsoft YaHei" charset="-122"/>
+              </a:rPr>
+              <a:t>树的建立过程，可进行增删查改四种操作，并与</a:t>
+            </a:r>
+            <a:r>
+              <a:rPr lang="en-US" altLang="zh-CN" sz="2000" dirty="0" err="1">
+                <a:latin typeface="Microsoft YaHei" charset="-122"/>
+                <a:ea typeface="Microsoft YaHei" charset="-122"/>
+                <a:cs typeface="Microsoft YaHei" charset="-122"/>
+              </a:rPr>
+              <a:t>Trie</a:t>
+            </a:r>
+            <a:r>
+              <a:rPr lang="zh-CN" altLang="en-US" sz="2000" dirty="0">
+                <a:latin typeface="Microsoft YaHei" charset="-122"/>
+                <a:ea typeface="Microsoft YaHei" charset="-122"/>
+                <a:cs typeface="Microsoft YaHei" charset="-122"/>
+              </a:rPr>
+              <a:t>树比较，效果</a:t>
+            </a:r>
+            <a:r>
+              <a:rPr lang="zh-CN" altLang="en-US" sz="2000" dirty="0" smtClean="0">
+                <a:latin typeface="Microsoft YaHei" charset="-122"/>
+                <a:ea typeface="Microsoft YaHei" charset="-122"/>
+                <a:cs typeface="Microsoft YaHei" charset="-122"/>
+              </a:rPr>
+              <a:t>如右图</a:t>
+            </a:r>
+            <a:endParaRPr lang="en-US" altLang="zh-CN" sz="2000" dirty="0" smtClean="0">
+              <a:latin typeface="Microsoft YaHei" charset="-122"/>
+              <a:ea typeface="Microsoft YaHei" charset="-122"/>
+              <a:cs typeface="Microsoft YaHei" charset="-122"/>
+            </a:endParaRPr>
+          </a:p>
+        </p:txBody>
+      </p:sp>
+      <p:pic>
+        <p:nvPicPr>
+          <p:cNvPr id="2" name="图片 1"/>
+          <p:cNvPicPr>
+            <a:picLocks noChangeAspect="1"/>
+          </p:cNvPicPr>
+          <p:nvPr/>
+        </p:nvPicPr>
+        <p:blipFill>
+          <a:blip r:embed="rId2">
+            <a:extLst>
+              <a:ext uri="{28A0092B-C50C-407E-A947-70E740481C1C}">
+                <a14:useLocalDpi xmlns:a14="http://schemas.microsoft.com/office/drawing/2010/main" val="0"/>
+              </a:ext>
+            </a:extLst>
+          </a:blip>
+          <a:stretch>
+            <a:fillRect/>
+          </a:stretch>
+        </p:blipFill>
+        <p:spPr>
+          <a:xfrm>
+            <a:off x="188843" y="24711"/>
+            <a:ext cx="12003157" cy="6632381"/>
+          </a:xfrm>
+          <a:prstGeom prst="rect">
+            <a:avLst/>
+          </a:prstGeom>
+        </p:spPr>
+      </p:pic>
+    </p:spTree>
+    <p:extLst>
+      <p:ext uri="{BB962C8B-B14F-4D97-AF65-F5344CB8AC3E}">
+        <p14:creationId xmlns:p14="http://schemas.microsoft.com/office/powerpoint/2010/main" val="3607373245"/>
+      </p:ext>
+    </p:extLst>
+  </p:cSld>
+  <p:clrMapOvr>
+    <a:masterClrMapping/>
+  </p:clrMapOvr>
+  <mc:AlternateContent xmlns:mc="http://schemas.openxmlformats.org/markup-compatibility/2006" xmlns:p14="http://schemas.microsoft.com/office/powerpoint/2010/main">
+    <mc:Choice Requires="p14">
+      <p:transition spd="med" p14:dur="700">
+        <p:fade/>
+      </p:transition>
+    </mc:Choice>
+    <mc:Fallback xmlns="">
+      <p:transition spd="med">
+        <p:fade/>
+      </p:transition>
+    </mc:Fallback>
+  </mc:AlternateContent>
+  <p:timing>
+    <p:tnLst>
+      <p:par>
+        <p:cTn id="1" dur="indefinite" restart="never" nodeType="tmRoot">
+          <p:childTnLst>
+            <p:seq concurrent="1" nextAc="seek">
+              <p:cTn id="2" dur="indefinite" nodeType="mainSeq">
+                <p:childTnLst>
+                  <p:par>
+                    <p:cTn id="3" fill="hold">
+                      <p:stCondLst>
+                        <p:cond delay="indefinite"/>
+                      </p:stCondLst>
+                      <p:childTnLst>
+                        <p:par>
+                          <p:cTn id="4" fill="hold">
+                            <p:stCondLst>
+                              <p:cond delay="0"/>
+                            </p:stCondLst>
+                            <p:childTnLst>
+                              <p:par>
+                                <p:cTn id="5" presetID="1" presetClass="entr" presetSubtype="0" fill="hold" grpId="0" nodeType="clickEffect">
+                                  <p:stCondLst>
+                                    <p:cond delay="0"/>
+                                  </p:stCondLst>
+                                  <p:childTnLst>
+                                    <p:set>
+                                      <p:cBhvr>
+                                        <p:cTn id="6" dur="1" fill="hold">
+                                          <p:stCondLst>
+                                            <p:cond delay="0"/>
+                                          </p:stCondLst>
+                                        </p:cTn>
+                                        <p:tgtEl>
+                                          <p:spTgt spid="6"/>
+                                        </p:tgtEl>
+                                        <p:attrNameLst>
+                                          <p:attrName>style.visibility</p:attrName>
+                                        </p:attrNameLst>
+                                      </p:cBhvr>
+                                      <p:to>
+                                        <p:strVal val="visible"/>
+                                      </p:to>
+                                    </p:set>
+                                  </p:childTnLst>
+                                </p:cTn>
+                              </p:par>
+                            </p:childTnLst>
+                          </p:cTn>
+                        </p:par>
+                      </p:childTnLst>
+                    </p:cTn>
+                  </p:par>
+                  <p:par>
+                    <p:cTn id="7" fill="hold">
+                      <p:stCondLst>
+                        <p:cond delay="indefinite"/>
+                      </p:stCondLst>
+                      <p:childTnLst>
+                        <p:par>
+                          <p:cTn id="8" fill="hold">
+                            <p:stCondLst>
+                              <p:cond delay="0"/>
+                            </p:stCondLst>
+                            <p:childTnLst>
+                              <p:par>
+                                <p:cTn id="9" presetID="2" presetClass="entr" presetSubtype="4" fill="hold" nodeType="clickEffect">
+                                  <p:stCondLst>
+                                    <p:cond delay="0"/>
+                                  </p:stCondLst>
+                                  <p:childTnLst>
+                                    <p:set>
+                                      <p:cBhvr>
+                                        <p:cTn id="10" dur="1" fill="hold">
+                                          <p:stCondLst>
+                                            <p:cond delay="0"/>
+                                          </p:stCondLst>
+                                        </p:cTn>
+                                        <p:tgtEl>
+                                          <p:spTgt spid="2"/>
+                                        </p:tgtEl>
+                                        <p:attrNameLst>
+                                          <p:attrName>style.visibility</p:attrName>
+                                        </p:attrNameLst>
+                                      </p:cBhvr>
+                                      <p:to>
+                                        <p:strVal val="visible"/>
+                                      </p:to>
+                                    </p:set>
+                                    <p:anim calcmode="lin" valueType="num">
+                                      <p:cBhvr additive="base">
+                                        <p:cTn id="11" dur="500" fill="hold"/>
+                                        <p:tgtEl>
+                                          <p:spTgt spid="2"/>
+                                        </p:tgtEl>
+                                        <p:attrNameLst>
+                                          <p:attrName>ppt_x</p:attrName>
+                                        </p:attrNameLst>
+                                      </p:cBhvr>
+                                      <p:tavLst>
+                                        <p:tav tm="0">
+                                          <p:val>
+                                            <p:strVal val="#ppt_x"/>
+                                          </p:val>
+                                        </p:tav>
+                                        <p:tav tm="100000">
+                                          <p:val>
+                                            <p:strVal val="#ppt_x"/>
+                                          </p:val>
+                                        </p:tav>
+                                      </p:tavLst>
+                                    </p:anim>
+                                    <p:anim calcmode="lin" valueType="num">
+                                      <p:cBhvr additive="base">
+                                        <p:cTn id="12" dur="500" fill="hold"/>
+                                        <p:tgtEl>
+                                          <p:spTgt spid="2"/>
+                                        </p:tgtEl>
+                                        <p:attrNameLst>
+                                          <p:attrName>ppt_y</p:attrName>
+                                        </p:attrNameLst>
+                                      </p:cBhvr>
+                                      <p:tavLst>
+                                        <p:tav tm="0">
+                                          <p:val>
+                                            <p:strVal val="1+#ppt_h/2"/>
+                                          </p:val>
+                                        </p:tav>
+                                        <p:tav tm="100000">
+                                          <p:val>
+                                            <p:strVal val="#ppt_y"/>
+                                          </p:val>
+                                        </p:tav>
+                                      </p:tavLst>
+                                    </p:anim>
+                                  </p:childTnLst>
+                                </p:cTn>
+                              </p:par>
+                            </p:childTnLst>
+                          </p:cTn>
+                        </p:par>
+                      </p:childTnLst>
+                    </p:cTn>
+                  </p:par>
+                </p:childTnLst>
+              </p:cTn>
+              <p:prevCondLst>
+                <p:cond evt="onPrev" delay="0">
+                  <p:tgtEl>
+                    <p:sldTgt/>
+                  </p:tgtEl>
+                </p:cond>
+              </p:prevCondLst>
+              <p:nextCondLst>
+                <p:cond evt="onNext" delay="0">
+                  <p:tgtEl>
+                    <p:sldTgt/>
+                  </p:tgtEl>
+                </p:cond>
+              </p:nextCondLst>
+            </p:seq>
+          </p:childTnLst>
+        </p:cTn>
+      </p:par>
+    </p:tnLst>
+    <p:bldLst>
+      <p:bldP spid="6" grpId="0"/>
+    </p:bldLst>
+  </p:timing>
+</p:sld>
+</file>
+
+<file path=ppt/slides/slide34.xml><?xml version="1.0" encoding="utf-8"?>
+<p:sld xmlns:a="http://schemas.openxmlformats.org/drawingml/2006/main" xmlns:r="http://schemas.openxmlformats.org/officeDocument/2006/relationships" xmlns:p="http://schemas.openxmlformats.org/presentationml/2006/main">
+  <p:cSld>
+    <p:spTree>
+      <p:nvGrpSpPr>
+        <p:cNvPr id="1" name=""/>
+        <p:cNvGrpSpPr/>
+        <p:nvPr/>
+      </p:nvGrpSpPr>
+      <p:grpSpPr>
+        <a:xfrm>
+          <a:off x="0" y="0"/>
+          <a:ext cx="0" cy="0"/>
+          <a:chOff x="0" y="0"/>
+          <a:chExt cx="0" cy="0"/>
+        </a:xfrm>
+      </p:grpSpPr>
+      <p:cxnSp>
+        <p:nvCxnSpPr>
+          <p:cNvPr id="4" name="Straight Connector 3"/>
+          <p:cNvCxnSpPr/>
+          <p:nvPr/>
+        </p:nvCxnSpPr>
+        <p:spPr>
+          <a:xfrm>
+            <a:off x="662225" y="1498386"/>
+            <a:ext cx="10944035" cy="0"/>
+          </a:xfrm>
+          <a:prstGeom prst="line">
+            <a:avLst/>
+          </a:prstGeom>
+          <a:ln w="38100">
+            <a:solidFill>
+              <a:schemeClr val="accent2">
+                <a:lumMod val="75000"/>
+              </a:schemeClr>
+            </a:solidFill>
+          </a:ln>
+        </p:spPr>
+        <p:style>
+          <a:lnRef idx="1">
+            <a:schemeClr val="accent2"/>
+          </a:lnRef>
+          <a:fillRef idx="0">
+            <a:schemeClr val="accent2"/>
+          </a:fillRef>
+          <a:effectRef idx="0">
+            <a:schemeClr val="accent2"/>
+          </a:effectRef>
+          <a:fontRef idx="minor">
+            <a:schemeClr val="tx1"/>
+          </a:fontRef>
+        </p:style>
+      </p:cxnSp>
+      <p:sp>
+        <p:nvSpPr>
+          <p:cNvPr id="8" name="Title 1"/>
+          <p:cNvSpPr>
+            <a:spLocks noGrp="1"/>
+          </p:cNvSpPr>
+          <p:nvPr>
+            <p:ph type="title"/>
+          </p:nvPr>
+        </p:nvSpPr>
+        <p:spPr>
+          <a:xfrm>
+            <a:off x="1105042" y="55983"/>
+            <a:ext cx="10058400" cy="1609344"/>
+          </a:xfrm>
+        </p:spPr>
+        <p:txBody>
+          <a:bodyPr>
+            <a:noAutofit/>
+          </a:bodyPr>
+          <a:lstStyle/>
+          <a:p>
+            <a:pPr>
+              <a:lnSpc>
+                <a:spcPct val="150000"/>
+              </a:lnSpc>
+            </a:pPr>
+            <a:r>
+              <a:rPr lang="zh-CN" altLang="en-US" sz="3600" dirty="0">
+                <a:latin typeface="微软雅黑" panose="020B0503020204020204" pitchFamily="34" charset="-122"/>
+                <a:ea typeface="微软雅黑" panose="020B0503020204020204" pitchFamily="34" charset="-122"/>
+              </a:rPr>
+              <a:t>应用展示：基于</a:t>
+            </a:r>
+            <a:r>
+              <a:rPr lang="en-US" altLang="zh-CN" sz="3600" dirty="0" err="1">
+                <a:latin typeface="微软雅黑" panose="020B0503020204020204" pitchFamily="34" charset="-122"/>
+                <a:ea typeface="微软雅黑" panose="020B0503020204020204" pitchFamily="34" charset="-122"/>
+              </a:rPr>
+              <a:t>Qt</a:t>
+            </a:r>
+            <a:r>
+              <a:rPr lang="zh-CN" altLang="en-US" sz="3600" dirty="0">
+                <a:latin typeface="微软雅黑" panose="020B0503020204020204" pitchFamily="34" charset="-122"/>
+                <a:ea typeface="微软雅黑" panose="020B0503020204020204" pitchFamily="34" charset="-122"/>
+              </a:rPr>
+              <a:t>实现的 </a:t>
+            </a:r>
+            <a:r>
+              <a:rPr lang="en-US" altLang="zh-CN" sz="3600" dirty="0">
+                <a:latin typeface="微软雅黑" panose="020B0503020204020204" pitchFamily="34" charset="-122"/>
+                <a:ea typeface="微软雅黑" panose="020B0503020204020204" pitchFamily="34" charset="-122"/>
+              </a:rPr>
+              <a:t>Patricia</a:t>
+            </a:r>
+            <a:r>
+              <a:rPr lang="zh-CN" altLang="en-US" sz="3600" dirty="0">
+                <a:latin typeface="微软雅黑" panose="020B0503020204020204" pitchFamily="34" charset="-122"/>
+                <a:ea typeface="微软雅黑" panose="020B0503020204020204" pitchFamily="34" charset="-122"/>
+              </a:rPr>
+              <a:t> 相关应用。</a:t>
+            </a:r>
+          </a:p>
+        </p:txBody>
+      </p:sp>
+      <p:sp>
+        <p:nvSpPr>
+          <p:cNvPr id="6" name="Rectangle 6"/>
+          <p:cNvSpPr/>
+          <p:nvPr/>
+        </p:nvSpPr>
+        <p:spPr>
+          <a:xfrm>
+            <a:off x="1272158" y="2375156"/>
+            <a:ext cx="9724167" cy="2554545"/>
+          </a:xfrm>
+          <a:prstGeom prst="rect">
+            <a:avLst/>
+          </a:prstGeom>
+        </p:spPr>
+        <p:txBody>
+          <a:bodyPr wrap="square">
+            <a:spAutoFit/>
+          </a:bodyPr>
+          <a:lstStyle/>
+          <a:p>
+            <a:pPr>
+              <a:lnSpc>
+                <a:spcPct val="200000"/>
+              </a:lnSpc>
+            </a:pPr>
+            <a:r>
+              <a:rPr lang="zh-CN" altLang="en-US" sz="2000" dirty="0">
+                <a:latin typeface="Microsoft YaHei" charset="-122"/>
+                <a:ea typeface="Microsoft YaHei" charset="-122"/>
+                <a:cs typeface="Microsoft YaHei" charset="-122"/>
+              </a:rPr>
+              <a:t>用户选择两个文件（不必输入字符串神马的，可以像平常选择文件那样选取），程序在文本框中显示出各自内容，用户点击运行后，输出两篇文档中出现次数相近的单词，并以柱状图呈现，根据处理的结果，给出结论：两篇文档是否相似（</a:t>
+            </a:r>
+            <a:r>
+              <a:rPr lang="en-US" altLang="zh-CN" sz="2000" dirty="0">
+                <a:latin typeface="Microsoft YaHei" charset="-122"/>
+                <a:ea typeface="Microsoft YaHei" charset="-122"/>
+                <a:cs typeface="Microsoft YaHei" charset="-122"/>
+              </a:rPr>
+              <a:t>Ps</a:t>
+            </a:r>
+            <a:r>
+              <a:rPr lang="zh-CN" altLang="en-US" sz="2000" dirty="0">
+                <a:latin typeface="Microsoft YaHei" charset="-122"/>
+                <a:ea typeface="Microsoft YaHei" charset="-122"/>
+                <a:cs typeface="Microsoft YaHei" charset="-122"/>
+              </a:rPr>
+              <a:t>：可用于代码判重，作家枪手调查，论文判重等方面）</a:t>
+            </a:r>
+            <a:endParaRPr lang="en-US" altLang="zh-CN" sz="2000" dirty="0" smtClean="0">
+              <a:latin typeface="Microsoft YaHei" charset="-122"/>
+              <a:ea typeface="Microsoft YaHei" charset="-122"/>
+              <a:cs typeface="Microsoft YaHei" charset="-122"/>
+            </a:endParaRPr>
+          </a:p>
+        </p:txBody>
+      </p:sp>
+    </p:spTree>
+    <p:extLst>
+      <p:ext uri="{BB962C8B-B14F-4D97-AF65-F5344CB8AC3E}">
+        <p14:creationId xmlns:p14="http://schemas.microsoft.com/office/powerpoint/2010/main" val="1452437834"/>
+      </p:ext>
+    </p:extLst>
+  </p:cSld>
+  <p:clrMapOvr>
+    <a:masterClrMapping/>
+  </p:clrMapOvr>
+  <mc:AlternateContent xmlns:mc="http://schemas.openxmlformats.org/markup-compatibility/2006" xmlns:p14="http://schemas.microsoft.com/office/powerpoint/2010/main">
+    <mc:Choice Requires="p14">
+      <p:transition spd="med" p14:dur="700">
+        <p:fade/>
+      </p:transition>
+    </mc:Choice>
+    <mc:Fallback xmlns="">
+      <p:transition spd="med">
+        <p:fade/>
+      </p:transition>
+    </mc:Fallback>
+  </mc:AlternateContent>
+  <p:timing>
+    <p:tnLst>
+      <p:par>
+        <p:cTn id="1" dur="indefinite" restart="never" nodeType="tmRoot"/>
+      </p:par>
+    </p:tnLst>
+  </p:timing>
+</p:sld>
+</file>
+
+<file path=ppt/slides/slide35.xml><?xml version="1.0" encoding="utf-8"?>
+<p:sld xmlns:a="http://schemas.openxmlformats.org/drawingml/2006/main" xmlns:r="http://schemas.openxmlformats.org/officeDocument/2006/relationships" xmlns:p="http://schemas.openxmlformats.org/presentationml/2006/main">
+  <p:cSld>
+    <p:spTree>
+      <p:nvGrpSpPr>
+        <p:cNvPr id="1" name=""/>
+        <p:cNvGrpSpPr/>
+        <p:nvPr/>
+      </p:nvGrpSpPr>
+      <p:grpSpPr>
+        <a:xfrm>
+          <a:off x="0" y="0"/>
+          <a:ext cx="0" cy="0"/>
+          <a:chOff x="0" y="0"/>
+          <a:chExt cx="0" cy="0"/>
+        </a:xfrm>
+      </p:grpSpPr>
+      <p:cxnSp>
+        <p:nvCxnSpPr>
+          <p:cNvPr id="4" name="Straight Connector 3"/>
+          <p:cNvCxnSpPr/>
+          <p:nvPr/>
+        </p:nvCxnSpPr>
+        <p:spPr>
+          <a:xfrm>
+            <a:off x="662225" y="1498386"/>
+            <a:ext cx="10944035" cy="0"/>
+          </a:xfrm>
+          <a:prstGeom prst="line">
+            <a:avLst/>
+          </a:prstGeom>
+          <a:ln w="38100">
+            <a:solidFill>
+              <a:schemeClr val="accent2">
+                <a:lumMod val="75000"/>
+              </a:schemeClr>
+            </a:solidFill>
+          </a:ln>
+        </p:spPr>
+        <p:style>
+          <a:lnRef idx="1">
+            <a:schemeClr val="accent2"/>
+          </a:lnRef>
+          <a:fillRef idx="0">
+            <a:schemeClr val="accent2"/>
+          </a:fillRef>
+          <a:effectRef idx="0">
+            <a:schemeClr val="accent2"/>
+          </a:effectRef>
+          <a:fontRef idx="minor">
+            <a:schemeClr val="tx1"/>
+          </a:fontRef>
+        </p:style>
+      </p:cxnSp>
+      <p:sp>
+        <p:nvSpPr>
+          <p:cNvPr id="8" name="Title 1"/>
+          <p:cNvSpPr>
+            <a:spLocks noGrp="1"/>
+          </p:cNvSpPr>
+          <p:nvPr>
+            <p:ph type="title"/>
+          </p:nvPr>
+        </p:nvSpPr>
+        <p:spPr>
+          <a:xfrm>
+            <a:off x="1105042" y="55983"/>
+            <a:ext cx="10058400" cy="1609344"/>
+          </a:xfrm>
+        </p:spPr>
+        <p:txBody>
+          <a:bodyPr>
+            <a:noAutofit/>
+          </a:bodyPr>
+          <a:lstStyle/>
+          <a:p>
+            <a:pPr>
+              <a:lnSpc>
+                <a:spcPct val="150000"/>
+              </a:lnSpc>
+            </a:pPr>
+            <a:r>
+              <a:rPr lang="zh-CN" altLang="en-US" sz="3600" dirty="0">
+                <a:latin typeface="微软雅黑" panose="020B0503020204020204" pitchFamily="34" charset="-122"/>
+                <a:ea typeface="微软雅黑" panose="020B0503020204020204" pitchFamily="34" charset="-122"/>
+              </a:rPr>
+              <a:t>应用展示：基于</a:t>
+            </a:r>
+            <a:r>
+              <a:rPr lang="en-US" altLang="zh-CN" sz="3600" dirty="0" err="1">
+                <a:latin typeface="微软雅黑" panose="020B0503020204020204" pitchFamily="34" charset="-122"/>
+                <a:ea typeface="微软雅黑" panose="020B0503020204020204" pitchFamily="34" charset="-122"/>
+              </a:rPr>
+              <a:t>Qt</a:t>
+            </a:r>
+            <a:r>
+              <a:rPr lang="zh-CN" altLang="en-US" sz="3600" dirty="0">
+                <a:latin typeface="微软雅黑" panose="020B0503020204020204" pitchFamily="34" charset="-122"/>
+                <a:ea typeface="微软雅黑" panose="020B0503020204020204" pitchFamily="34" charset="-122"/>
+              </a:rPr>
+              <a:t>实现的 </a:t>
+            </a:r>
+            <a:r>
+              <a:rPr lang="en-US" altLang="zh-CN" sz="3600" dirty="0">
+                <a:latin typeface="微软雅黑" panose="020B0503020204020204" pitchFamily="34" charset="-122"/>
+                <a:ea typeface="微软雅黑" panose="020B0503020204020204" pitchFamily="34" charset="-122"/>
+              </a:rPr>
+              <a:t>Patricia</a:t>
+            </a:r>
+            <a:r>
+              <a:rPr lang="zh-CN" altLang="en-US" sz="3600" dirty="0">
+                <a:latin typeface="微软雅黑" panose="020B0503020204020204" pitchFamily="34" charset="-122"/>
+                <a:ea typeface="微软雅黑" panose="020B0503020204020204" pitchFamily="34" charset="-122"/>
+              </a:rPr>
+              <a:t> 相关应用。</a:t>
+            </a:r>
+          </a:p>
+        </p:txBody>
+      </p:sp>
+      <p:pic>
+        <p:nvPicPr>
+          <p:cNvPr id="7" name="图片 6"/>
+          <p:cNvPicPr>
+            <a:picLocks noChangeAspect="1"/>
+          </p:cNvPicPr>
+          <p:nvPr/>
+        </p:nvPicPr>
+        <p:blipFill>
+          <a:blip r:embed="rId2">
+            <a:extLst>
+              <a:ext uri="{28A0092B-C50C-407E-A947-70E740481C1C}">
+                <a14:useLocalDpi xmlns:a14="http://schemas.microsoft.com/office/drawing/2010/main" val="0"/>
+              </a:ext>
+            </a:extLst>
+          </a:blip>
+          <a:stretch>
+            <a:fillRect/>
+          </a:stretch>
+        </p:blipFill>
+        <p:spPr>
+          <a:xfrm>
+            <a:off x="757171" y="215255"/>
+            <a:ext cx="10501217" cy="6360077"/>
+          </a:xfrm>
+          <a:prstGeom prst="rect">
+            <a:avLst/>
+          </a:prstGeom>
+        </p:spPr>
+      </p:pic>
+      <p:pic>
+        <p:nvPicPr>
+          <p:cNvPr id="2" name="图片 1"/>
+          <p:cNvPicPr>
+            <a:picLocks noChangeAspect="1"/>
+          </p:cNvPicPr>
+          <p:nvPr/>
+        </p:nvPicPr>
+        <p:blipFill>
+          <a:blip r:embed="rId3">
+            <a:extLst>
+              <a:ext uri="{28A0092B-C50C-407E-A947-70E740481C1C}">
+                <a14:useLocalDpi xmlns:a14="http://schemas.microsoft.com/office/drawing/2010/main" val="0"/>
+              </a:ext>
+            </a:extLst>
+          </a:blip>
+          <a:stretch>
+            <a:fillRect/>
+          </a:stretch>
+        </p:blipFill>
+        <p:spPr>
+          <a:xfrm>
+            <a:off x="-1" y="55983"/>
+            <a:ext cx="12238865" cy="6802017"/>
+          </a:xfrm>
+          <a:prstGeom prst="rect">
+            <a:avLst/>
+          </a:prstGeom>
+        </p:spPr>
+      </p:pic>
+    </p:spTree>
+    <p:extLst>
+      <p:ext uri="{BB962C8B-B14F-4D97-AF65-F5344CB8AC3E}">
+        <p14:creationId xmlns:p14="http://schemas.microsoft.com/office/powerpoint/2010/main" val="1340051555"/>
+      </p:ext>
+    </p:extLst>
+  </p:cSld>
+  <p:clrMapOvr>
+    <a:masterClrMapping/>
+  </p:clrMapOvr>
+  <mc:AlternateContent xmlns:mc="http://schemas.openxmlformats.org/markup-compatibility/2006" xmlns:p14="http://schemas.microsoft.com/office/powerpoint/2010/main">
+    <mc:Choice Requires="p14">
+      <p:transition spd="med" p14:dur="700">
+        <p:fade/>
+      </p:transition>
+    </mc:Choice>
+    <mc:Fallback xmlns="">
+      <p:transition spd="med">
+        <p:fade/>
+      </p:transition>
+    </mc:Fallback>
+  </mc:AlternateContent>
+  <p:timing>
+    <p:tnLst>
+      <p:par>
+        <p:cTn id="1" dur="indefinite" restart="never" nodeType="tmRoot">
+          <p:childTnLst>
+            <p:seq concurrent="1" nextAc="seek">
+              <p:cTn id="2" dur="indefinite" nodeType="mainSeq">
+                <p:childTnLst>
+                  <p:par>
+                    <p:cTn id="3" fill="hold">
+                      <p:stCondLst>
+                        <p:cond delay="indefinite"/>
+                      </p:stCondLst>
+                      <p:childTnLst>
+                        <p:par>
+                          <p:cTn id="4" fill="hold">
+                            <p:stCondLst>
+                              <p:cond delay="0"/>
+                            </p:stCondLst>
+                            <p:childTnLst>
+                              <p:par>
+                                <p:cTn id="5" presetID="10" presetClass="entr" presetSubtype="0" fill="hold" nodeType="clickEffect">
+                                  <p:stCondLst>
+                                    <p:cond delay="0"/>
+                                  </p:stCondLst>
+                                  <p:childTnLst>
+                                    <p:set>
+                                      <p:cBhvr>
+                                        <p:cTn id="6" dur="1" fill="hold">
+                                          <p:stCondLst>
+                                            <p:cond delay="0"/>
+                                          </p:stCondLst>
+                                        </p:cTn>
+                                        <p:tgtEl>
+                                          <p:spTgt spid="7"/>
+                                        </p:tgtEl>
+                                        <p:attrNameLst>
+                                          <p:attrName>style.visibility</p:attrName>
+                                        </p:attrNameLst>
+                                      </p:cBhvr>
+                                      <p:to>
+                                        <p:strVal val="visible"/>
+                                      </p:to>
+                                    </p:set>
+                                    <p:animEffect transition="in" filter="fade">
+                                      <p:cBhvr>
+                                        <p:cTn id="7" dur="500"/>
+                                        <p:tgtEl>
+                                          <p:spTgt spid="7"/>
+                                        </p:tgtEl>
+                                      </p:cBhvr>
+                                    </p:animEffect>
+                                  </p:childTnLst>
+                                </p:cTn>
+                              </p:par>
+                            </p:childTnLst>
+                          </p:cTn>
+                        </p:par>
+                      </p:childTnLst>
+                    </p:cTn>
+                  </p:par>
+                  <p:par>
+                    <p:cTn id="8" fill="hold">
+                      <p:stCondLst>
+                        <p:cond delay="indefinite"/>
+                      </p:stCondLst>
+                      <p:childTnLst>
+                        <p:par>
+                          <p:cTn id="9" fill="hold">
+                            <p:stCondLst>
+                              <p:cond delay="0"/>
+                            </p:stCondLst>
+                            <p:childTnLst>
+                              <p:par>
+                                <p:cTn id="10" presetID="42" presetClass="entr" presetSubtype="0" fill="hold" nodeType="clickEffect">
+                                  <p:stCondLst>
+                                    <p:cond delay="0"/>
+                                  </p:stCondLst>
+                                  <p:childTnLst>
+                                    <p:set>
+                                      <p:cBhvr>
+                                        <p:cTn id="11" dur="1" fill="hold">
+                                          <p:stCondLst>
+                                            <p:cond delay="0"/>
+                                          </p:stCondLst>
+                                        </p:cTn>
+                                        <p:tgtEl>
+                                          <p:spTgt spid="2"/>
+                                        </p:tgtEl>
+                                        <p:attrNameLst>
+                                          <p:attrName>style.visibility</p:attrName>
+                                        </p:attrNameLst>
+                                      </p:cBhvr>
+                                      <p:to>
+                                        <p:strVal val="visible"/>
+                                      </p:to>
+                                    </p:set>
+                                    <p:animEffect transition="in" filter="fade">
+                                      <p:cBhvr>
+                                        <p:cTn id="12" dur="1000"/>
+                                        <p:tgtEl>
+                                          <p:spTgt spid="2"/>
+                                        </p:tgtEl>
+                                      </p:cBhvr>
+                                    </p:animEffect>
+                                    <p:anim calcmode="lin" valueType="num">
+                                      <p:cBhvr>
+                                        <p:cTn id="13" dur="1000" fill="hold"/>
+                                        <p:tgtEl>
+                                          <p:spTgt spid="2"/>
+                                        </p:tgtEl>
+                                        <p:attrNameLst>
+                                          <p:attrName>ppt_x</p:attrName>
+                                        </p:attrNameLst>
+                                      </p:cBhvr>
+                                      <p:tavLst>
+                                        <p:tav tm="0">
+                                          <p:val>
+                                            <p:strVal val="#ppt_x"/>
+                                          </p:val>
+                                        </p:tav>
+                                        <p:tav tm="100000">
+                                          <p:val>
+                                            <p:strVal val="#ppt_x"/>
+                                          </p:val>
+                                        </p:tav>
+                                      </p:tavLst>
+                                    </p:anim>
+                                    <p:anim calcmode="lin" valueType="num">
+                                      <p:cBhvr>
+                                        <p:cTn id="14" dur="1000" fill="hold"/>
+                                        <p:tgtEl>
+                                          <p:spTgt spid="2"/>
+                                        </p:tgtEl>
+                                        <p:attrNameLst>
+                                          <p:attrName>ppt_y</p:attrName>
+                                        </p:attrNameLst>
+                                      </p:cBhvr>
+                                      <p:tavLst>
+                                        <p:tav tm="0">
+                                          <p:val>
+                                            <p:strVal val="#ppt_y+.1"/>
+                                          </p:val>
+                                        </p:tav>
+                                        <p:tav tm="100000">
+                                          <p:val>
+                                            <p:strVal val="#ppt_y"/>
+                                          </p:val>
+                                        </p:tav>
+                                      </p:tavLst>
+                                    </p:anim>
+                                  </p:childTnLst>
+                                </p:cTn>
+                              </p:par>
+                            </p:childTnLst>
+                          </p:cTn>
+                        </p:par>
+                      </p:childTnLst>
+                    </p:cTn>
+                  </p:par>
+                </p:childTnLst>
+              </p:cTn>
+              <p:prevCondLst>
+                <p:cond evt="onPrev" delay="0">
+                  <p:tgtEl>
+                    <p:sldTgt/>
+                  </p:tgtEl>
+                </p:cond>
+              </p:prevCondLst>
+              <p:nextCondLst>
+                <p:cond evt="onNext" delay="0">
+                  <p:tgtEl>
+                    <p:sldTgt/>
+                  </p:tgtEl>
+                </p:cond>
+              </p:nextCondLst>
+            </p:seq>
+          </p:childTnLst>
+        </p:cTn>
+      </p:par>
+    </p:tnLst>
+  </p:timing>
+</p:sld>
+</file>
+
+<file path=ppt/slides/slide36.xml><?xml version="1.0" encoding="utf-8"?>
+<p:sld xmlns:a="http://schemas.openxmlformats.org/drawingml/2006/main" xmlns:r="http://schemas.openxmlformats.org/officeDocument/2006/relationships" xmlns:p="http://schemas.openxmlformats.org/presentationml/2006/main">
+  <p:cSld>
+    <p:spTree>
+      <p:nvGrpSpPr>
+        <p:cNvPr id="1" name=""/>
+        <p:cNvGrpSpPr/>
+        <p:nvPr/>
+      </p:nvGrpSpPr>
+      <p:grpSpPr>
+        <a:xfrm>
+          <a:off x="0" y="0"/>
+          <a:ext cx="0" cy="0"/>
+          <a:chOff x="0" y="0"/>
+          <a:chExt cx="0" cy="0"/>
+        </a:xfrm>
+      </p:grpSpPr>
+      <p:cxnSp>
+        <p:nvCxnSpPr>
+          <p:cNvPr id="4" name="Straight Connector 3"/>
+          <p:cNvCxnSpPr/>
+          <p:nvPr/>
+        </p:nvCxnSpPr>
+        <p:spPr>
+          <a:xfrm>
+            <a:off x="662225" y="1498386"/>
+            <a:ext cx="10944035" cy="0"/>
+          </a:xfrm>
+          <a:prstGeom prst="line">
+            <a:avLst/>
+          </a:prstGeom>
+          <a:ln w="38100">
+            <a:solidFill>
+              <a:schemeClr val="accent2">
+                <a:lumMod val="75000"/>
+              </a:schemeClr>
+            </a:solidFill>
+          </a:ln>
+        </p:spPr>
+        <p:style>
+          <a:lnRef idx="1">
+            <a:schemeClr val="accent2"/>
+          </a:lnRef>
+          <a:fillRef idx="0">
+            <a:schemeClr val="accent2"/>
+          </a:fillRef>
+          <a:effectRef idx="0">
+            <a:schemeClr val="accent2"/>
+          </a:effectRef>
+          <a:fontRef idx="minor">
+            <a:schemeClr val="tx1"/>
+          </a:fontRef>
+        </p:style>
+      </p:cxnSp>
+      <p:sp>
+        <p:nvSpPr>
+          <p:cNvPr id="8" name="Title 1"/>
+          <p:cNvSpPr>
+            <a:spLocks noGrp="1"/>
+          </p:cNvSpPr>
+          <p:nvPr>
+            <p:ph type="title"/>
+          </p:nvPr>
+        </p:nvSpPr>
+        <p:spPr>
+          <a:xfrm>
+            <a:off x="1105042" y="55983"/>
+            <a:ext cx="10058400" cy="1609344"/>
+          </a:xfrm>
+        </p:spPr>
+        <p:txBody>
+          <a:bodyPr>
+            <a:noAutofit/>
+          </a:bodyPr>
+          <a:lstStyle/>
+          <a:p>
+            <a:pPr>
+              <a:lnSpc>
+                <a:spcPct val="150000"/>
+              </a:lnSpc>
+            </a:pPr>
+            <a:r>
+              <a:rPr lang="zh-CN" altLang="en-US" sz="3600" dirty="0">
+                <a:latin typeface="微软雅黑" panose="020B0503020204020204" pitchFamily="34" charset="-122"/>
+                <a:ea typeface="微软雅黑" panose="020B0503020204020204" pitchFamily="34" charset="-122"/>
+              </a:rPr>
+              <a:t>应用展示：基于</a:t>
+            </a:r>
+            <a:r>
+              <a:rPr lang="en-US" altLang="zh-CN" sz="3600" dirty="0" err="1">
+                <a:latin typeface="微软雅黑" panose="020B0503020204020204" pitchFamily="34" charset="-122"/>
+                <a:ea typeface="微软雅黑" panose="020B0503020204020204" pitchFamily="34" charset="-122"/>
+              </a:rPr>
+              <a:t>Qt</a:t>
+            </a:r>
+            <a:r>
+              <a:rPr lang="zh-CN" altLang="en-US" sz="3600" dirty="0">
+                <a:latin typeface="微软雅黑" panose="020B0503020204020204" pitchFamily="34" charset="-122"/>
+                <a:ea typeface="微软雅黑" panose="020B0503020204020204" pitchFamily="34" charset="-122"/>
+              </a:rPr>
+              <a:t>实现的 </a:t>
+            </a:r>
+            <a:r>
+              <a:rPr lang="en-US" altLang="zh-CN" sz="3600" dirty="0">
+                <a:latin typeface="微软雅黑" panose="020B0503020204020204" pitchFamily="34" charset="-122"/>
+                <a:ea typeface="微软雅黑" panose="020B0503020204020204" pitchFamily="34" charset="-122"/>
+              </a:rPr>
+              <a:t>Patricia</a:t>
+            </a:r>
+            <a:r>
+              <a:rPr lang="zh-CN" altLang="en-US" sz="3600" dirty="0">
+                <a:latin typeface="微软雅黑" panose="020B0503020204020204" pitchFamily="34" charset="-122"/>
+                <a:ea typeface="微软雅黑" panose="020B0503020204020204" pitchFamily="34" charset="-122"/>
+              </a:rPr>
+              <a:t> 相关应用。</a:t>
+            </a:r>
+          </a:p>
+        </p:txBody>
+      </p:sp>
+      <p:sp>
+        <p:nvSpPr>
+          <p:cNvPr id="6" name="Rectangle 6"/>
+          <p:cNvSpPr/>
+          <p:nvPr/>
+        </p:nvSpPr>
+        <p:spPr>
+          <a:xfrm>
+            <a:off x="890614" y="1748991"/>
+            <a:ext cx="2369421" cy="4647426"/>
+          </a:xfrm>
+          <a:prstGeom prst="rect">
+            <a:avLst/>
+          </a:prstGeom>
+        </p:spPr>
+        <p:txBody>
+          <a:bodyPr wrap="square">
+            <a:spAutoFit/>
+          </a:bodyPr>
+          <a:lstStyle/>
+          <a:p>
+            <a:pPr>
+              <a:lnSpc>
+                <a:spcPct val="200000"/>
+              </a:lnSpc>
+            </a:pPr>
+            <a:r>
+              <a:rPr lang="zh-CN" altLang="en-US" sz="2800" dirty="0" smtClean="0">
+                <a:latin typeface="Microsoft YaHei" charset="-122"/>
+                <a:ea typeface="Microsoft YaHei" charset="-122"/>
+                <a:cs typeface="Microsoft YaHei" charset="-122"/>
+              </a:rPr>
+              <a:t>前缀查询</a:t>
+            </a:r>
+            <a:endParaRPr lang="en-US" altLang="zh-CN" sz="2800" dirty="0" smtClean="0">
+              <a:latin typeface="Microsoft YaHei" charset="-122"/>
+              <a:ea typeface="Microsoft YaHei" charset="-122"/>
+              <a:cs typeface="Microsoft YaHei" charset="-122"/>
+            </a:endParaRPr>
+          </a:p>
+          <a:p>
+            <a:pPr>
+              <a:lnSpc>
+                <a:spcPct val="200000"/>
+              </a:lnSpc>
+            </a:pPr>
+            <a:r>
+              <a:rPr lang="zh-CN" altLang="en-US" sz="2000" dirty="0">
+                <a:latin typeface="Microsoft YaHei" charset="-122"/>
+                <a:ea typeface="Microsoft YaHei" charset="-122"/>
+                <a:cs typeface="Microsoft YaHei" charset="-122"/>
+              </a:rPr>
+              <a:t>用户在搜索栏中输入字符串，搜索栏下方会显示出当前所有单词中所有以该字符串作为前缀的单词。效果</a:t>
+            </a:r>
+            <a:r>
+              <a:rPr lang="zh-CN" altLang="en-US" sz="2000" dirty="0" smtClean="0">
+                <a:latin typeface="Microsoft YaHei" charset="-122"/>
+                <a:ea typeface="Microsoft YaHei" charset="-122"/>
+                <a:cs typeface="Microsoft YaHei" charset="-122"/>
+              </a:rPr>
+              <a:t>如右</a:t>
+            </a:r>
+            <a:endParaRPr lang="en-US" altLang="zh-CN" sz="2000" dirty="0" smtClean="0">
+              <a:latin typeface="Microsoft YaHei" charset="-122"/>
+              <a:ea typeface="Microsoft YaHei" charset="-122"/>
+              <a:cs typeface="Microsoft YaHei" charset="-122"/>
+            </a:endParaRPr>
+          </a:p>
+        </p:txBody>
+      </p:sp>
+      <p:pic>
+        <p:nvPicPr>
+          <p:cNvPr id="2" name="图片 1"/>
+          <p:cNvPicPr>
+            <a:picLocks noChangeAspect="1"/>
+          </p:cNvPicPr>
+          <p:nvPr/>
+        </p:nvPicPr>
+        <p:blipFill>
+          <a:blip r:embed="rId2">
+            <a:extLst>
+              <a:ext uri="{28A0092B-C50C-407E-A947-70E740481C1C}">
+                <a14:useLocalDpi xmlns:a14="http://schemas.microsoft.com/office/drawing/2010/main" val="0"/>
+              </a:ext>
+            </a:extLst>
+          </a:blip>
+          <a:stretch>
+            <a:fillRect/>
+          </a:stretch>
+        </p:blipFill>
+        <p:spPr>
+          <a:xfrm>
+            <a:off x="4779817" y="1866172"/>
+            <a:ext cx="5796321" cy="4530245"/>
+          </a:xfrm>
+          <a:prstGeom prst="rect">
+            <a:avLst/>
+          </a:prstGeom>
+        </p:spPr>
+      </p:pic>
+    </p:spTree>
+    <p:extLst>
+      <p:ext uri="{BB962C8B-B14F-4D97-AF65-F5344CB8AC3E}">
+        <p14:creationId xmlns:p14="http://schemas.microsoft.com/office/powerpoint/2010/main" val="612781398"/>
+      </p:ext>
+    </p:extLst>
+  </p:cSld>
+  <p:clrMapOvr>
+    <a:masterClrMapping/>
+  </p:clrMapOvr>
+  <mc:AlternateContent xmlns:mc="http://schemas.openxmlformats.org/markup-compatibility/2006" xmlns:p14="http://schemas.microsoft.com/office/powerpoint/2010/main">
+    <mc:Choice Requires="p14">
+      <p:transition spd="med" p14:dur="700">
+        <p:fade/>
+      </p:transition>
+    </mc:Choice>
+    <mc:Fallback xmlns="">
+      <p:transition spd="med">
+        <p:fade/>
+      </p:transition>
+    </mc:Fallback>
+  </mc:AlternateContent>
+  <p:timing>
+    <p:tnLst>
+      <p:par>
+        <p:cTn id="1" dur="indefinite" restart="never" nodeType="tmRoot"/>
+      </p:par>
+    </p:tnLst>
+  </p:timing>
+</p:sld>
+</file>
+
+<file path=ppt/slides/slide37.xml><?xml version="1.0" encoding="utf-8"?>
+<p:sld xmlns:a="http://schemas.openxmlformats.org/drawingml/2006/main" xmlns:r="http://schemas.openxmlformats.org/officeDocument/2006/relationships" xmlns:p="http://schemas.openxmlformats.org/presentationml/2006/main">
+  <p:cSld>
+    <p:spTree>
+      <p:nvGrpSpPr>
+        <p:cNvPr id="1" name=""/>
+        <p:cNvGrpSpPr/>
+        <p:nvPr/>
+      </p:nvGrpSpPr>
+      <p:grpSpPr>
+        <a:xfrm>
+          <a:off x="0" y="0"/>
+          <a:ext cx="0" cy="0"/>
+          <a:chOff x="0" y="0"/>
+          <a:chExt cx="0" cy="0"/>
+        </a:xfrm>
+      </p:grpSpPr>
+      <p:cxnSp>
+        <p:nvCxnSpPr>
+          <p:cNvPr id="4" name="Straight Connector 3"/>
+          <p:cNvCxnSpPr/>
+          <p:nvPr/>
+        </p:nvCxnSpPr>
+        <p:spPr>
+          <a:xfrm>
+            <a:off x="662225" y="1498386"/>
+            <a:ext cx="10944035" cy="0"/>
+          </a:xfrm>
+          <a:prstGeom prst="line">
+            <a:avLst/>
+          </a:prstGeom>
+          <a:ln w="38100">
+            <a:solidFill>
+              <a:schemeClr val="accent2">
+                <a:lumMod val="75000"/>
+              </a:schemeClr>
+            </a:solidFill>
+          </a:ln>
+        </p:spPr>
+        <p:style>
+          <a:lnRef idx="1">
+            <a:schemeClr val="accent2"/>
+          </a:lnRef>
+          <a:fillRef idx="0">
+            <a:schemeClr val="accent2"/>
+          </a:fillRef>
+          <a:effectRef idx="0">
+            <a:schemeClr val="accent2"/>
+          </a:effectRef>
+          <a:fontRef idx="minor">
+            <a:schemeClr val="tx1"/>
+          </a:fontRef>
+        </p:style>
+      </p:cxnSp>
+      <p:sp>
+        <p:nvSpPr>
+          <p:cNvPr id="8" name="Title 1"/>
+          <p:cNvSpPr>
+            <a:spLocks noGrp="1"/>
+          </p:cNvSpPr>
+          <p:nvPr>
+            <p:ph type="title"/>
+          </p:nvPr>
+        </p:nvSpPr>
+        <p:spPr>
+          <a:xfrm>
+            <a:off x="1105042" y="55983"/>
+            <a:ext cx="10058400" cy="1609344"/>
+          </a:xfrm>
+        </p:spPr>
+        <p:txBody>
+          <a:bodyPr>
+            <a:noAutofit/>
+          </a:bodyPr>
+          <a:lstStyle/>
+          <a:p>
+            <a:pPr>
+              <a:lnSpc>
+                <a:spcPct val="150000"/>
+              </a:lnSpc>
+            </a:pPr>
+            <a:r>
+              <a:rPr lang="zh-CN" altLang="en-US" sz="3600" dirty="0">
+                <a:latin typeface="微软雅黑" panose="020B0503020204020204" pitchFamily="34" charset="-122"/>
+                <a:ea typeface="微软雅黑" panose="020B0503020204020204" pitchFamily="34" charset="-122"/>
+              </a:rPr>
               <a:t>写在最后的一些</a:t>
             </a:r>
           </a:p>
@@ -15317,7 +16204,7 @@
         <p:spPr>
           <a:xfrm>
             <a:off x="1258362" y="2384782"/>
-            <a:ext cx="9905080" cy="3785652"/>
+            <a:ext cx="9905080" cy="3970318"/>
           </a:xfrm>
           <a:prstGeom prst="rect">
             <a:avLst/>
@@ -15335,6 +16222,520 @@
               </a:lnSpc>
             </a:pPr>
             <a:r>
+              <a:rPr lang="zh-CN" altLang="en-US" dirty="0">
+                <a:latin typeface="Microsoft YaHei" charset="-122"/>
+                <a:ea typeface="Microsoft YaHei" charset="-122"/>
+                <a:cs typeface="Microsoft YaHei" charset="-122"/>
+              </a:rPr>
+              <a:t>我们一开始制定了一个比较科学的</a:t>
+            </a:r>
+            <a:r>
+              <a:rPr lang="zh-CN" altLang="en-US" dirty="0" smtClean="0">
+                <a:latin typeface="Microsoft YaHei" charset="-122"/>
+                <a:ea typeface="Microsoft YaHei" charset="-122"/>
+                <a:cs typeface="Microsoft YaHei" charset="-122"/>
+              </a:rPr>
+              <a:t>分工。</a:t>
+            </a:r>
+            <a:endParaRPr lang="en-US" altLang="zh-CN" dirty="0" smtClean="0">
+              <a:latin typeface="Microsoft YaHei" charset="-122"/>
+              <a:ea typeface="Microsoft YaHei" charset="-122"/>
+              <a:cs typeface="Microsoft YaHei" charset="-122"/>
+            </a:endParaRPr>
+          </a:p>
+          <a:p>
+            <a:pPr>
+              <a:lnSpc>
+                <a:spcPct val="200000"/>
+              </a:lnSpc>
+            </a:pPr>
+            <a:r>
+              <a:rPr lang="zh-CN" altLang="en-US" dirty="0" smtClean="0">
+                <a:latin typeface="Microsoft YaHei" charset="-122"/>
+                <a:ea typeface="Microsoft YaHei" charset="-122"/>
+                <a:cs typeface="Microsoft YaHei" charset="-122"/>
+              </a:rPr>
+              <a:t>本次</a:t>
+            </a:r>
+            <a:r>
+              <a:rPr lang="zh-CN" altLang="en-US" dirty="0">
+                <a:latin typeface="Microsoft YaHei" charset="-122"/>
+                <a:ea typeface="Microsoft YaHei" charset="-122"/>
+                <a:cs typeface="Microsoft YaHei" charset="-122"/>
+              </a:rPr>
+              <a:t>实验我（李博）在前期主要负责 </a:t>
+            </a:r>
+            <a:r>
+              <a:rPr lang="en-US" altLang="zh-CN" dirty="0">
+                <a:latin typeface="Microsoft YaHei" charset="-122"/>
+                <a:ea typeface="Microsoft YaHei" charset="-122"/>
+                <a:cs typeface="Microsoft YaHei" charset="-122"/>
+              </a:rPr>
+              <a:t>Patricia Tree </a:t>
+            </a:r>
+            <a:r>
+              <a:rPr lang="zh-CN" altLang="en-US" dirty="0" smtClean="0">
+                <a:latin typeface="Microsoft YaHei" charset="-122"/>
+                <a:ea typeface="Microsoft YaHei" charset="-122"/>
+                <a:cs typeface="Microsoft YaHei" charset="-122"/>
+              </a:rPr>
+              <a:t>和传统 </a:t>
+            </a:r>
+            <a:r>
+              <a:rPr lang="en-US" altLang="zh-CN" dirty="0" err="1" smtClean="0">
+                <a:latin typeface="Microsoft YaHei" charset="-122"/>
+                <a:ea typeface="Microsoft YaHei" charset="-122"/>
+                <a:cs typeface="Microsoft YaHei" charset="-122"/>
+              </a:rPr>
+              <a:t>Trie</a:t>
+            </a:r>
+            <a:r>
+              <a:rPr lang="en-US" altLang="zh-CN" dirty="0" smtClean="0">
+                <a:latin typeface="Microsoft YaHei" charset="-122"/>
+                <a:ea typeface="Microsoft YaHei" charset="-122"/>
+                <a:cs typeface="Microsoft YaHei" charset="-122"/>
+              </a:rPr>
+              <a:t> </a:t>
+            </a:r>
+            <a:r>
+              <a:rPr lang="en-US" altLang="zh-CN" dirty="0">
+                <a:latin typeface="Microsoft YaHei" charset="-122"/>
+                <a:ea typeface="Microsoft YaHei" charset="-122"/>
+                <a:cs typeface="Microsoft YaHei" charset="-122"/>
+              </a:rPr>
+              <a:t>Tree </a:t>
+            </a:r>
+            <a:r>
+              <a:rPr lang="zh-CN" altLang="en-US" dirty="0">
+                <a:latin typeface="Microsoft YaHei" charset="-122"/>
+                <a:ea typeface="Microsoft YaHei" charset="-122"/>
+                <a:cs typeface="Microsoft YaHei" charset="-122"/>
+              </a:rPr>
+              <a:t>类的结构设计与代码</a:t>
+            </a:r>
+            <a:r>
+              <a:rPr lang="zh-CN" altLang="en-US" dirty="0" smtClean="0">
+                <a:latin typeface="Microsoft YaHei" charset="-122"/>
+                <a:ea typeface="Microsoft YaHei" charset="-122"/>
+                <a:cs typeface="Microsoft YaHei" charset="-122"/>
+              </a:rPr>
+              <a:t>实现。前期</a:t>
+            </a:r>
+            <a:r>
+              <a:rPr lang="zh-CN" altLang="en-US" dirty="0">
+                <a:latin typeface="Microsoft YaHei" charset="-122"/>
+                <a:ea typeface="Microsoft YaHei" charset="-122"/>
+                <a:cs typeface="Microsoft YaHei" charset="-122"/>
+              </a:rPr>
+              <a:t>给武德浩留出了准备 </a:t>
+            </a:r>
+            <a:r>
+              <a:rPr lang="en-US" altLang="zh-CN" dirty="0" err="1">
+                <a:latin typeface="Microsoft YaHei" charset="-122"/>
+                <a:ea typeface="Microsoft YaHei" charset="-122"/>
+                <a:cs typeface="Microsoft YaHei" charset="-122"/>
+              </a:rPr>
+              <a:t>Qt</a:t>
+            </a:r>
+            <a:r>
+              <a:rPr lang="en-US" altLang="zh-CN" dirty="0">
+                <a:latin typeface="Microsoft YaHei" charset="-122"/>
+                <a:ea typeface="Microsoft YaHei" charset="-122"/>
+                <a:cs typeface="Microsoft YaHei" charset="-122"/>
+              </a:rPr>
+              <a:t> </a:t>
+            </a:r>
+            <a:r>
+              <a:rPr lang="zh-CN" altLang="en-US" dirty="0">
+                <a:latin typeface="Microsoft YaHei" charset="-122"/>
+                <a:ea typeface="Microsoft YaHei" charset="-122"/>
+                <a:cs typeface="Microsoft YaHei" charset="-122"/>
+              </a:rPr>
+              <a:t>和设计应用的</a:t>
+            </a:r>
+            <a:r>
+              <a:rPr lang="zh-CN" altLang="en-US" dirty="0" smtClean="0">
+                <a:latin typeface="Microsoft YaHei" charset="-122"/>
+                <a:ea typeface="Microsoft YaHei" charset="-122"/>
+                <a:cs typeface="Microsoft YaHei" charset="-122"/>
+              </a:rPr>
+              <a:t>时间。</a:t>
+            </a:r>
+            <a:endParaRPr lang="en-US" altLang="zh-CN" dirty="0" smtClean="0">
+              <a:latin typeface="Microsoft YaHei" charset="-122"/>
+              <a:ea typeface="Microsoft YaHei" charset="-122"/>
+              <a:cs typeface="Microsoft YaHei" charset="-122"/>
+            </a:endParaRPr>
+          </a:p>
+          <a:p>
+            <a:pPr>
+              <a:lnSpc>
+                <a:spcPct val="200000"/>
+              </a:lnSpc>
+            </a:pPr>
+            <a:r>
+              <a:rPr lang="zh-CN" altLang="en-US" dirty="0" smtClean="0">
+                <a:latin typeface="Microsoft YaHei" charset="-122"/>
+                <a:ea typeface="Microsoft YaHei" charset="-122"/>
+                <a:cs typeface="Microsoft YaHei" charset="-122"/>
+              </a:rPr>
+              <a:t>当</a:t>
+            </a:r>
+            <a:r>
+              <a:rPr lang="zh-CN" altLang="en-US" dirty="0">
+                <a:latin typeface="Microsoft YaHei" charset="-122"/>
+                <a:ea typeface="Microsoft YaHei" charset="-122"/>
+                <a:cs typeface="Microsoft YaHei" charset="-122"/>
+              </a:rPr>
+              <a:t>我完成了数据结构相关的</a:t>
+            </a:r>
+            <a:r>
+              <a:rPr lang="zh-CN" altLang="en-US" dirty="0" smtClean="0">
+                <a:latin typeface="Microsoft YaHei" charset="-122"/>
+                <a:ea typeface="Microsoft YaHei" charset="-122"/>
+                <a:cs typeface="Microsoft YaHei" charset="-122"/>
+              </a:rPr>
+              <a:t>代码，</a:t>
+            </a:r>
+            <a:r>
+              <a:rPr lang="zh-CN" altLang="en-US" dirty="0">
+                <a:latin typeface="Microsoft YaHei" charset="-122"/>
+                <a:ea typeface="Microsoft YaHei" charset="-122"/>
+                <a:cs typeface="Microsoft YaHei" charset="-122"/>
+              </a:rPr>
+              <a:t>并将设计接口交接给武德浩</a:t>
+            </a:r>
+            <a:r>
+              <a:rPr lang="zh-CN" altLang="en-US" dirty="0" smtClean="0">
+                <a:latin typeface="Microsoft YaHei" charset="-122"/>
+                <a:ea typeface="Microsoft YaHei" charset="-122"/>
+                <a:cs typeface="Microsoft YaHei" charset="-122"/>
+              </a:rPr>
+              <a:t>之后，我</a:t>
+            </a:r>
+            <a:r>
+              <a:rPr lang="zh-CN" altLang="en-US" dirty="0">
+                <a:latin typeface="Microsoft YaHei" charset="-122"/>
+                <a:ea typeface="Microsoft YaHei" charset="-122"/>
+                <a:cs typeface="Microsoft YaHei" charset="-122"/>
+              </a:rPr>
+              <a:t>就直接开始了准备文档，报告，</a:t>
+            </a:r>
+            <a:r>
+              <a:rPr lang="en-US" altLang="zh-CN" dirty="0">
+                <a:latin typeface="Microsoft YaHei" charset="-122"/>
+                <a:ea typeface="Microsoft YaHei" charset="-122"/>
+                <a:cs typeface="Microsoft YaHei" charset="-122"/>
+              </a:rPr>
+              <a:t>PPT </a:t>
+            </a:r>
+            <a:r>
+              <a:rPr lang="zh-CN" altLang="en-US" dirty="0">
+                <a:latin typeface="Microsoft YaHei" charset="-122"/>
+                <a:ea typeface="Microsoft YaHei" charset="-122"/>
+                <a:cs typeface="Microsoft YaHei" charset="-122"/>
+              </a:rPr>
+              <a:t>的工作，此时我和武德浩并行的处理着我们的项目，他一边攻克着 </a:t>
+            </a:r>
+            <a:r>
+              <a:rPr lang="en-US" altLang="zh-CN" dirty="0" err="1">
+                <a:latin typeface="Microsoft YaHei" charset="-122"/>
+                <a:ea typeface="Microsoft YaHei" charset="-122"/>
+                <a:cs typeface="Microsoft YaHei" charset="-122"/>
+              </a:rPr>
+              <a:t>Qt</a:t>
+            </a:r>
+            <a:r>
+              <a:rPr lang="en-US" altLang="zh-CN" dirty="0">
+                <a:latin typeface="Microsoft YaHei" charset="-122"/>
+                <a:ea typeface="Microsoft YaHei" charset="-122"/>
+                <a:cs typeface="Microsoft YaHei" charset="-122"/>
+              </a:rPr>
+              <a:t> </a:t>
+            </a:r>
+            <a:r>
+              <a:rPr lang="zh-CN" altLang="en-US" dirty="0">
+                <a:latin typeface="Microsoft YaHei" charset="-122"/>
+                <a:ea typeface="Microsoft YaHei" charset="-122"/>
+                <a:cs typeface="Microsoft YaHei" charset="-122"/>
+              </a:rPr>
+              <a:t>当中所遇到的无数</a:t>
+            </a:r>
+            <a:r>
+              <a:rPr lang="zh-CN" altLang="en-US" dirty="0" smtClean="0">
+                <a:latin typeface="Microsoft YaHei" charset="-122"/>
+                <a:ea typeface="Microsoft YaHei" charset="-122"/>
+                <a:cs typeface="Microsoft YaHei" charset="-122"/>
+              </a:rPr>
+              <a:t>难题（比如画树，图表展示，文本判重设计等），</a:t>
+            </a:r>
+            <a:r>
+              <a:rPr lang="zh-CN" altLang="en-US" dirty="0">
+                <a:latin typeface="Microsoft YaHei" charset="-122"/>
+                <a:ea typeface="Microsoft YaHei" charset="-122"/>
+                <a:cs typeface="Microsoft YaHei" charset="-122"/>
+              </a:rPr>
+              <a:t>我一边浏览着无数相关 </a:t>
+            </a:r>
+            <a:r>
+              <a:rPr lang="en-US" altLang="zh-CN" dirty="0">
+                <a:latin typeface="Microsoft YaHei" charset="-122"/>
+                <a:ea typeface="Microsoft YaHei" charset="-122"/>
+                <a:cs typeface="Microsoft YaHei" charset="-122"/>
+              </a:rPr>
+              <a:t>Patricia Tree </a:t>
+            </a:r>
+            <a:r>
+              <a:rPr lang="zh-CN" altLang="en-US" dirty="0">
+                <a:latin typeface="Microsoft YaHei" charset="-122"/>
+                <a:ea typeface="Microsoft YaHei" charset="-122"/>
+                <a:cs typeface="Microsoft YaHei" charset="-122"/>
+              </a:rPr>
+              <a:t>的各路博客与</a:t>
+            </a:r>
+            <a:r>
+              <a:rPr lang="en-US" altLang="zh-CN" dirty="0">
+                <a:latin typeface="Microsoft YaHei" charset="-122"/>
+                <a:ea typeface="Microsoft YaHei" charset="-122"/>
+                <a:cs typeface="Microsoft YaHei" charset="-122"/>
+              </a:rPr>
+              <a:t>Paper</a:t>
+            </a:r>
+            <a:r>
+              <a:rPr lang="zh-CN" altLang="en-US" dirty="0">
+                <a:latin typeface="Microsoft YaHei" charset="-122"/>
+                <a:ea typeface="Microsoft YaHei" charset="-122"/>
+                <a:cs typeface="Microsoft YaHei" charset="-122"/>
+              </a:rPr>
+              <a:t>，准备我们最后的文档部分，也就是这篇万字（</a:t>
+            </a:r>
+            <a:r>
+              <a:rPr lang="en-US" altLang="zh-CN" dirty="0" err="1">
+                <a:latin typeface="Microsoft YaHei" charset="-122"/>
+                <a:ea typeface="Microsoft YaHei" charset="-122"/>
+                <a:cs typeface="Microsoft YaHei" charset="-122"/>
+              </a:rPr>
+              <a:t>xia</a:t>
+            </a:r>
+            <a:r>
+              <a:rPr lang="en-US" altLang="zh-CN" dirty="0">
+                <a:latin typeface="Microsoft YaHei" charset="-122"/>
+                <a:ea typeface="Microsoft YaHei" charset="-122"/>
+                <a:cs typeface="Microsoft YaHei" charset="-122"/>
+              </a:rPr>
+              <a:t> </a:t>
+            </a:r>
+            <a:r>
+              <a:rPr lang="en-US" altLang="zh-CN" dirty="0" err="1">
+                <a:latin typeface="Microsoft YaHei" charset="-122"/>
+                <a:ea typeface="Microsoft YaHei" charset="-122"/>
+                <a:cs typeface="Microsoft YaHei" charset="-122"/>
+              </a:rPr>
+              <a:t>che</a:t>
+            </a:r>
+            <a:r>
+              <a:rPr lang="zh-CN" altLang="en-US" dirty="0">
+                <a:latin typeface="Microsoft YaHei" charset="-122"/>
+                <a:ea typeface="Microsoft YaHei" charset="-122"/>
+                <a:cs typeface="Microsoft YaHei" charset="-122"/>
+              </a:rPr>
+              <a:t>）长文。</a:t>
+            </a:r>
+            <a:endParaRPr lang="en-US" altLang="zh-CN" dirty="0" smtClean="0">
+              <a:latin typeface="Microsoft YaHei" charset="-122"/>
+              <a:ea typeface="Microsoft YaHei" charset="-122"/>
+              <a:cs typeface="Microsoft YaHei" charset="-122"/>
+            </a:endParaRPr>
+          </a:p>
+        </p:txBody>
+      </p:sp>
+      <p:sp>
+        <p:nvSpPr>
+          <p:cNvPr id="3" name="Rectangle 2"/>
+          <p:cNvSpPr/>
+          <p:nvPr/>
+        </p:nvSpPr>
+        <p:spPr>
+          <a:xfrm>
+            <a:off x="1105042" y="1794222"/>
+            <a:ext cx="3570208" cy="461665"/>
+          </a:xfrm>
+          <a:prstGeom prst="rect">
+            <a:avLst/>
+          </a:prstGeom>
+        </p:spPr>
+        <p:txBody>
+          <a:bodyPr wrap="none">
+            <a:spAutoFit/>
+          </a:bodyPr>
+          <a:lstStyle/>
+          <a:p>
+            <a:r>
+              <a:rPr lang="zh-CN" altLang="en-US" sz="2400" dirty="0" smtClean="0">
+                <a:latin typeface="Microsoft YaHei" charset="-122"/>
+                <a:ea typeface="Microsoft YaHei" charset="-122"/>
+                <a:cs typeface="Microsoft YaHei" charset="-122"/>
+              </a:rPr>
+              <a:t>基于异步与并行的思想嘛</a:t>
+            </a:r>
+            <a:endParaRPr lang="en-US" sz="2400" dirty="0">
+              <a:latin typeface="Microsoft YaHei" charset="-122"/>
+              <a:ea typeface="Microsoft YaHei" charset="-122"/>
+              <a:cs typeface="Microsoft YaHei" charset="-122"/>
+            </a:endParaRPr>
+          </a:p>
+        </p:txBody>
+      </p:sp>
+    </p:spTree>
+    <p:extLst>
+      <p:ext uri="{BB962C8B-B14F-4D97-AF65-F5344CB8AC3E}">
+        <p14:creationId xmlns:p14="http://schemas.microsoft.com/office/powerpoint/2010/main" val="1774590619"/>
+      </p:ext>
+    </p:extLst>
+  </p:cSld>
+  <p:clrMapOvr>
+    <a:masterClrMapping/>
+  </p:clrMapOvr>
+  <mc:AlternateContent xmlns:mc="http://schemas.openxmlformats.org/markup-compatibility/2006" xmlns:p14="http://schemas.microsoft.com/office/powerpoint/2010/main">
+    <mc:Choice Requires="p14">
+      <p:transition spd="med" p14:dur="700">
+        <p:fade/>
+      </p:transition>
+    </mc:Choice>
+    <mc:Fallback xmlns="">
+      <p:transition spd="med">
+        <p:fade/>
+      </p:transition>
+    </mc:Fallback>
+  </mc:AlternateContent>
+  <p:timing>
+    <p:tnLst>
+      <p:par>
+        <p:cTn id="1" dur="indefinite" restart="never" nodeType="tmRoot"/>
+      </p:par>
+    </p:tnLst>
+  </p:timing>
+</p:sld>
+</file>
+
+<file path=ppt/slides/slide38.xml><?xml version="1.0" encoding="utf-8"?>
+<p:sld xmlns:a="http://schemas.openxmlformats.org/drawingml/2006/main" xmlns:r="http://schemas.openxmlformats.org/officeDocument/2006/relationships" xmlns:p="http://schemas.openxmlformats.org/presentationml/2006/main">
+  <p:cSld>
+    <p:spTree>
+      <p:nvGrpSpPr>
+        <p:cNvPr id="1" name=""/>
+        <p:cNvGrpSpPr/>
+        <p:nvPr/>
+      </p:nvGrpSpPr>
+      <p:grpSpPr>
+        <a:xfrm>
+          <a:off x="0" y="0"/>
+          <a:ext cx="0" cy="0"/>
+          <a:chOff x="0" y="0"/>
+          <a:chExt cx="0" cy="0"/>
+        </a:xfrm>
+      </p:grpSpPr>
+      <p:cxnSp>
+        <p:nvCxnSpPr>
+          <p:cNvPr id="4" name="Straight Connector 3"/>
+          <p:cNvCxnSpPr/>
+          <p:nvPr/>
+        </p:nvCxnSpPr>
+        <p:spPr>
+          <a:xfrm>
+            <a:off x="662225" y="1498386"/>
+            <a:ext cx="10944035" cy="0"/>
+          </a:xfrm>
+          <a:prstGeom prst="line">
+            <a:avLst/>
+          </a:prstGeom>
+          <a:ln w="38100">
+            <a:solidFill>
+              <a:schemeClr val="accent2">
+                <a:lumMod val="75000"/>
+              </a:schemeClr>
+            </a:solidFill>
+          </a:ln>
+        </p:spPr>
+        <p:style>
+          <a:lnRef idx="1">
+            <a:schemeClr val="accent2"/>
+          </a:lnRef>
+          <a:fillRef idx="0">
+            <a:schemeClr val="accent2"/>
+          </a:fillRef>
+          <a:effectRef idx="0">
+            <a:schemeClr val="accent2"/>
+          </a:effectRef>
+          <a:fontRef idx="minor">
+            <a:schemeClr val="tx1"/>
+          </a:fontRef>
+        </p:style>
+      </p:cxnSp>
+      <p:sp>
+        <p:nvSpPr>
+          <p:cNvPr id="8" name="Title 1"/>
+          <p:cNvSpPr>
+            <a:spLocks noGrp="1"/>
+          </p:cNvSpPr>
+          <p:nvPr>
+            <p:ph type="title"/>
+          </p:nvPr>
+        </p:nvSpPr>
+        <p:spPr>
+          <a:xfrm>
+            <a:off x="1105042" y="55983"/>
+            <a:ext cx="10058400" cy="1609344"/>
+          </a:xfrm>
+        </p:spPr>
+        <p:txBody>
+          <a:bodyPr>
+            <a:noAutofit/>
+          </a:bodyPr>
+          <a:lstStyle/>
+          <a:p>
+            <a:pPr>
+              <a:lnSpc>
+                <a:spcPct val="150000"/>
+              </a:lnSpc>
+            </a:pPr>
+            <a:r>
+              <a:rPr lang="zh-CN" altLang="en-US" sz="3600" dirty="0">
+                <a:latin typeface="微软雅黑" panose="020B0503020204020204" pitchFamily="34" charset="-122"/>
+                <a:ea typeface="微软雅黑" panose="020B0503020204020204" pitchFamily="34" charset="-122"/>
+              </a:rPr>
+              <a:t>写在最后的一些</a:t>
+            </a:r>
+          </a:p>
+        </p:txBody>
+      </p:sp>
+      <p:sp>
+        <p:nvSpPr>
+          <p:cNvPr id="7" name="Rectangle 6"/>
+          <p:cNvSpPr/>
+          <p:nvPr/>
+        </p:nvSpPr>
+        <p:spPr>
+          <a:xfrm>
+            <a:off x="1258362" y="2384782"/>
+            <a:ext cx="9905080" cy="3170099"/>
+          </a:xfrm>
+          <a:prstGeom prst="rect">
+            <a:avLst/>
+          </a:prstGeom>
+        </p:spPr>
+        <p:txBody>
+          <a:bodyPr wrap="square">
+            <a:spAutoFit/>
+          </a:bodyPr>
+          <a:lstStyle/>
+          <a:p>
+            <a:pPr>
+              <a:lnSpc>
+                <a:spcPct val="200000"/>
+              </a:lnSpc>
+            </a:pPr>
+            <a:r>
               <a:rPr lang="zh-CN" altLang="en-US" sz="2000" dirty="0" smtClean="0">
                 <a:latin typeface="Microsoft YaHei" charset="-122"/>
                 <a:ea typeface="Microsoft YaHei" charset="-122"/>
@@ -15529,26 +16930,6 @@
               </a:rPr>
               <a:t>~</a:t>
             </a:r>
-          </a:p>
-          <a:p>
-            <a:pPr>
-              <a:lnSpc>
-                <a:spcPct val="200000"/>
-              </a:lnSpc>
-            </a:pPr>
-            <a:r>
-              <a:rPr lang="zh-CN" altLang="en-US" sz="2000" dirty="0" smtClean="0">
-                <a:latin typeface="Microsoft YaHei" charset="-122"/>
-                <a:ea typeface="Microsoft YaHei" charset="-122"/>
-                <a:cs typeface="Microsoft YaHei" charset="-122"/>
-              </a:rPr>
-              <a:t>这是我大学以来最愉快的一次合作。</a:t>
-            </a:r>
-            <a:endParaRPr lang="en-US" altLang="zh-CN" sz="2000" dirty="0" smtClean="0">
-              <a:latin typeface="Microsoft YaHei" charset="-122"/>
-              <a:ea typeface="Microsoft YaHei" charset="-122"/>
-              <a:cs typeface="Microsoft YaHei" charset="-122"/>
-            </a:endParaRPr>
           </a:p>
         </p:txBody>
       </p:sp>
@@ -15629,7 +17010,7 @@
 </p:sld>
 </file>
 
-<file path=ppt/slides/slide34.xml><?xml version="1.0" encoding="utf-8"?>
+<file path=ppt/slides/slide39.xml><?xml version="1.0" encoding="utf-8"?>
 <p:sld xmlns:a="http://schemas.openxmlformats.org/drawingml/2006/main" xmlns:r="http://schemas.openxmlformats.org/officeDocument/2006/relationships" xmlns:p="http://schemas.openxmlformats.org/presentationml/2006/main">
   <p:cSld>
     <p:spTree>
